--- a/docs/slides/4-resource.pptx
+++ b/docs/slides/4-resource.pptx
@@ -5,22 +5,23 @@
     <p:sldMasterId id="2147483648" r:id="rId1"/>
   </p:sldMasterIdLst>
   <p:notesMasterIdLst>
-    <p:notesMasterId r:id="rId15"/>
+    <p:notesMasterId r:id="rId16"/>
   </p:notesMasterIdLst>
   <p:sldIdLst>
     <p:sldId id="442" r:id="rId2"/>
     <p:sldId id="441" r:id="rId3"/>
-    <p:sldId id="315" r:id="rId4"/>
-    <p:sldId id="316" r:id="rId5"/>
-    <p:sldId id="307" r:id="rId6"/>
-    <p:sldId id="317" r:id="rId7"/>
-    <p:sldId id="318" r:id="rId8"/>
-    <p:sldId id="319" r:id="rId9"/>
-    <p:sldId id="321" r:id="rId10"/>
-    <p:sldId id="322" r:id="rId11"/>
-    <p:sldId id="323" r:id="rId12"/>
-    <p:sldId id="324" r:id="rId13"/>
-    <p:sldId id="311" r:id="rId14"/>
+    <p:sldId id="443" r:id="rId4"/>
+    <p:sldId id="315" r:id="rId5"/>
+    <p:sldId id="316" r:id="rId6"/>
+    <p:sldId id="307" r:id="rId7"/>
+    <p:sldId id="317" r:id="rId8"/>
+    <p:sldId id="318" r:id="rId9"/>
+    <p:sldId id="319" r:id="rId10"/>
+    <p:sldId id="321" r:id="rId11"/>
+    <p:sldId id="322" r:id="rId12"/>
+    <p:sldId id="323" r:id="rId13"/>
+    <p:sldId id="324" r:id="rId14"/>
+    <p:sldId id="311" r:id="rId15"/>
   </p:sldIdLst>
   <p:sldSz cx="12192000" cy="6858000"/>
   <p:notesSz cx="6858000" cy="9144000"/>
@@ -119,6 +120,11 @@
       </a:defRPr>
     </a:lvl9pPr>
   </p:defaultTextStyle>
+  <p:extLst>
+    <p:ext uri="{EFAFB233-063F-42B5-8137-9DF3F51BA10A}">
+      <p15:sldGuideLst xmlns:p15="http://schemas.microsoft.com/office/powerpoint/2012/main"/>
+    </p:ext>
+  </p:extLst>
 </p:presentation>
 </file>
 
@@ -204,7 +210,7 @@
           <a:p>
             <a:fld id="{D4BFA2B7-27A9-9C4A-B8C7-8DD9037DC969}" type="datetimeFigureOut">
               <a:rPr lang="en-US" smtClean="0"/>
-              <a:t>10/4/22</a:t>
+              <a:t>10/6/22</a:t>
             </a:fld>
             <a:endParaRPr lang="en-US"/>
           </a:p>
@@ -710,7 +716,7 @@
           <a:p>
             <a:fld id="{C9A5E26F-99F5-6042-9D19-5B565D0B360D}" type="datetimeFigureOut">
               <a:rPr lang="en-US" smtClean="0"/>
-              <a:t>10/4/22</a:t>
+              <a:t>10/6/22</a:t>
             </a:fld>
             <a:endParaRPr lang="en-US"/>
           </a:p>
@@ -908,7 +914,7 @@
           <a:p>
             <a:fld id="{C9A5E26F-99F5-6042-9D19-5B565D0B360D}" type="datetimeFigureOut">
               <a:rPr lang="en-US" smtClean="0"/>
-              <a:t>10/4/22</a:t>
+              <a:t>10/6/22</a:t>
             </a:fld>
             <a:endParaRPr lang="en-US"/>
           </a:p>
@@ -1116,7 +1122,7 @@
           <a:p>
             <a:fld id="{C9A5E26F-99F5-6042-9D19-5B565D0B360D}" type="datetimeFigureOut">
               <a:rPr lang="en-US" smtClean="0"/>
-              <a:t>10/4/22</a:t>
+              <a:t>10/6/22</a:t>
             </a:fld>
             <a:endParaRPr lang="en-US"/>
           </a:p>
@@ -1180,6 +1186,428 @@
     <p:extLst>
       <p:ext uri="{BB962C8B-B14F-4D97-AF65-F5344CB8AC3E}">
         <p14:creationId xmlns:p14="http://schemas.microsoft.com/office/powerpoint/2010/main" val="2608651349"/>
+      </p:ext>
+    </p:extLst>
+  </p:cSld>
+  <p:clrMapOvr>
+    <a:masterClrMapping/>
+  </p:clrMapOvr>
+</p:sldLayout>
+</file>
+
+<file path=ppt/slideLayouts/slideLayout12.xml><?xml version="1.0" encoding="utf-8"?>
+<p:sldLayout xmlns:a="http://schemas.openxmlformats.org/drawingml/2006/main" xmlns:r="http://schemas.openxmlformats.org/officeDocument/2006/relationships" xmlns:p="http://schemas.openxmlformats.org/presentationml/2006/main" matchingName="Title and body" type="tx">
+  <p:cSld name="Title and body">
+    <p:spTree>
+      <p:nvGrpSpPr>
+        <p:cNvPr id="1" name="Shape 16"/>
+        <p:cNvGrpSpPr/>
+        <p:nvPr/>
+      </p:nvGrpSpPr>
+      <p:grpSpPr>
+        <a:xfrm>
+          <a:off x="0" y="0"/>
+          <a:ext cx="0" cy="0"/>
+          <a:chOff x="0" y="0"/>
+          <a:chExt cx="0" cy="0"/>
+        </a:xfrm>
+      </p:grpSpPr>
+      <p:sp>
+        <p:nvSpPr>
+          <p:cNvPr id="17" name="Google Shape;17;p4"/>
+          <p:cNvSpPr txBox="1">
+            <a:spLocks noGrp="1"/>
+          </p:cNvSpPr>
+          <p:nvPr>
+            <p:ph type="title"/>
+          </p:nvPr>
+        </p:nvSpPr>
+        <p:spPr>
+          <a:xfrm>
+            <a:off x="415600" y="288567"/>
+            <a:ext cx="11360800" cy="763600"/>
+          </a:xfrm>
+          <a:prstGeom prst="rect">
+            <a:avLst/>
+          </a:prstGeom>
+        </p:spPr>
+        <p:txBody>
+          <a:bodyPr spcFirstLastPara="1" wrap="square" lIns="91425" tIns="91425" rIns="91425" bIns="91425" anchor="t" anchorCtr="0">
+            <a:noAutofit/>
+          </a:bodyPr>
+          <a:lstStyle>
+            <a:lvl1pPr lvl="0">
+              <a:spcBef>
+                <a:spcPts val="0"/>
+              </a:spcBef>
+              <a:spcAft>
+                <a:spcPts val="0"/>
+              </a:spcAft>
+              <a:buSzPts val="2800"/>
+              <a:buNone/>
+              <a:defRPr/>
+            </a:lvl1pPr>
+            <a:lvl2pPr lvl="1">
+              <a:spcBef>
+                <a:spcPts val="0"/>
+              </a:spcBef>
+              <a:spcAft>
+                <a:spcPts val="0"/>
+              </a:spcAft>
+              <a:buSzPts val="2800"/>
+              <a:buNone/>
+              <a:defRPr/>
+            </a:lvl2pPr>
+            <a:lvl3pPr lvl="2">
+              <a:spcBef>
+                <a:spcPts val="0"/>
+              </a:spcBef>
+              <a:spcAft>
+                <a:spcPts val="0"/>
+              </a:spcAft>
+              <a:buSzPts val="2800"/>
+              <a:buNone/>
+              <a:defRPr/>
+            </a:lvl3pPr>
+            <a:lvl4pPr lvl="3">
+              <a:spcBef>
+                <a:spcPts val="0"/>
+              </a:spcBef>
+              <a:spcAft>
+                <a:spcPts val="0"/>
+              </a:spcAft>
+              <a:buSzPts val="2800"/>
+              <a:buNone/>
+              <a:defRPr/>
+            </a:lvl4pPr>
+            <a:lvl5pPr lvl="4">
+              <a:spcBef>
+                <a:spcPts val="0"/>
+              </a:spcBef>
+              <a:spcAft>
+                <a:spcPts val="0"/>
+              </a:spcAft>
+              <a:buSzPts val="2800"/>
+              <a:buNone/>
+              <a:defRPr/>
+            </a:lvl5pPr>
+            <a:lvl6pPr lvl="5">
+              <a:spcBef>
+                <a:spcPts val="0"/>
+              </a:spcBef>
+              <a:spcAft>
+                <a:spcPts val="0"/>
+              </a:spcAft>
+              <a:buSzPts val="2800"/>
+              <a:buNone/>
+              <a:defRPr/>
+            </a:lvl6pPr>
+            <a:lvl7pPr lvl="6">
+              <a:spcBef>
+                <a:spcPts val="0"/>
+              </a:spcBef>
+              <a:spcAft>
+                <a:spcPts val="0"/>
+              </a:spcAft>
+              <a:buSzPts val="2800"/>
+              <a:buNone/>
+              <a:defRPr/>
+            </a:lvl7pPr>
+            <a:lvl8pPr lvl="7">
+              <a:spcBef>
+                <a:spcPts val="0"/>
+              </a:spcBef>
+              <a:spcAft>
+                <a:spcPts val="0"/>
+              </a:spcAft>
+              <a:buSzPts val="2800"/>
+              <a:buNone/>
+              <a:defRPr/>
+            </a:lvl8pPr>
+            <a:lvl9pPr lvl="8">
+              <a:spcBef>
+                <a:spcPts val="0"/>
+              </a:spcBef>
+              <a:spcAft>
+                <a:spcPts val="0"/>
+              </a:spcAft>
+              <a:buSzPts val="2800"/>
+              <a:buNone/>
+              <a:defRPr/>
+            </a:lvl9pPr>
+          </a:lstStyle>
+          <a:p>
+            <a:endParaRPr/>
+          </a:p>
+        </p:txBody>
+      </p:sp>
+      <p:sp>
+        <p:nvSpPr>
+          <p:cNvPr id="18" name="Google Shape;18;p4"/>
+          <p:cNvSpPr txBox="1">
+            <a:spLocks noGrp="1"/>
+          </p:cNvSpPr>
+          <p:nvPr>
+            <p:ph type="body" idx="1"/>
+          </p:nvPr>
+        </p:nvSpPr>
+        <p:spPr>
+          <a:xfrm>
+            <a:off x="415600" y="1203067"/>
+            <a:ext cx="11360800" cy="4888800"/>
+          </a:xfrm>
+          <a:prstGeom prst="rect">
+            <a:avLst/>
+          </a:prstGeom>
+        </p:spPr>
+        <p:txBody>
+          <a:bodyPr spcFirstLastPara="1" wrap="square" lIns="91425" tIns="91425" rIns="91425" bIns="91425" anchor="t" anchorCtr="0">
+            <a:noAutofit/>
+          </a:bodyPr>
+          <a:lstStyle>
+            <a:lvl1pPr marL="609585" lvl="0" indent="-457189">
+              <a:spcBef>
+                <a:spcPts val="0"/>
+              </a:spcBef>
+              <a:spcAft>
+                <a:spcPts val="0"/>
+              </a:spcAft>
+              <a:buClr>
+                <a:srgbClr val="000000"/>
+              </a:buClr>
+              <a:buSzPts val="1800"/>
+              <a:buChar char="●"/>
+              <a:defRPr>
+                <a:solidFill>
+                  <a:srgbClr val="000000"/>
+                </a:solidFill>
+              </a:defRPr>
+            </a:lvl1pPr>
+            <a:lvl2pPr marL="1219170" lvl="1" indent="-423323">
+              <a:spcBef>
+                <a:spcPts val="2133"/>
+              </a:spcBef>
+              <a:spcAft>
+                <a:spcPts val="0"/>
+              </a:spcAft>
+              <a:buClr>
+                <a:srgbClr val="000000"/>
+              </a:buClr>
+              <a:buSzPts val="1400"/>
+              <a:buChar char="○"/>
+              <a:defRPr>
+                <a:solidFill>
+                  <a:srgbClr val="000000"/>
+                </a:solidFill>
+              </a:defRPr>
+            </a:lvl2pPr>
+            <a:lvl3pPr marL="1828754" lvl="2" indent="-423323">
+              <a:spcBef>
+                <a:spcPts val="2133"/>
+              </a:spcBef>
+              <a:spcAft>
+                <a:spcPts val="0"/>
+              </a:spcAft>
+              <a:buClr>
+                <a:srgbClr val="000000"/>
+              </a:buClr>
+              <a:buSzPts val="1400"/>
+              <a:buChar char="■"/>
+              <a:defRPr>
+                <a:solidFill>
+                  <a:srgbClr val="000000"/>
+                </a:solidFill>
+              </a:defRPr>
+            </a:lvl3pPr>
+            <a:lvl4pPr marL="2438339" lvl="3" indent="-423323">
+              <a:spcBef>
+                <a:spcPts val="2133"/>
+              </a:spcBef>
+              <a:spcAft>
+                <a:spcPts val="0"/>
+              </a:spcAft>
+              <a:buClr>
+                <a:srgbClr val="000000"/>
+              </a:buClr>
+              <a:buSzPts val="1400"/>
+              <a:buChar char="●"/>
+              <a:defRPr>
+                <a:solidFill>
+                  <a:srgbClr val="000000"/>
+                </a:solidFill>
+              </a:defRPr>
+            </a:lvl4pPr>
+            <a:lvl5pPr marL="3047924" lvl="4" indent="-423323">
+              <a:spcBef>
+                <a:spcPts val="2133"/>
+              </a:spcBef>
+              <a:spcAft>
+                <a:spcPts val="0"/>
+              </a:spcAft>
+              <a:buClr>
+                <a:srgbClr val="000000"/>
+              </a:buClr>
+              <a:buSzPts val="1400"/>
+              <a:buChar char="○"/>
+              <a:defRPr>
+                <a:solidFill>
+                  <a:srgbClr val="000000"/>
+                </a:solidFill>
+              </a:defRPr>
+            </a:lvl5pPr>
+            <a:lvl6pPr marL="3657509" lvl="5" indent="-423323">
+              <a:spcBef>
+                <a:spcPts val="2133"/>
+              </a:spcBef>
+              <a:spcAft>
+                <a:spcPts val="0"/>
+              </a:spcAft>
+              <a:buClr>
+                <a:srgbClr val="000000"/>
+              </a:buClr>
+              <a:buSzPts val="1400"/>
+              <a:buChar char="■"/>
+              <a:defRPr>
+                <a:solidFill>
+                  <a:srgbClr val="000000"/>
+                </a:solidFill>
+              </a:defRPr>
+            </a:lvl6pPr>
+            <a:lvl7pPr marL="4267093" lvl="6" indent="-423323">
+              <a:spcBef>
+                <a:spcPts val="2133"/>
+              </a:spcBef>
+              <a:spcAft>
+                <a:spcPts val="0"/>
+              </a:spcAft>
+              <a:buClr>
+                <a:srgbClr val="000000"/>
+              </a:buClr>
+              <a:buSzPts val="1400"/>
+              <a:buChar char="●"/>
+              <a:defRPr>
+                <a:solidFill>
+                  <a:srgbClr val="000000"/>
+                </a:solidFill>
+              </a:defRPr>
+            </a:lvl7pPr>
+            <a:lvl8pPr marL="4876678" lvl="7" indent="-423323">
+              <a:spcBef>
+                <a:spcPts val="2133"/>
+              </a:spcBef>
+              <a:spcAft>
+                <a:spcPts val="0"/>
+              </a:spcAft>
+              <a:buClr>
+                <a:srgbClr val="000000"/>
+              </a:buClr>
+              <a:buSzPts val="1400"/>
+              <a:buChar char="○"/>
+              <a:defRPr>
+                <a:solidFill>
+                  <a:srgbClr val="000000"/>
+                </a:solidFill>
+              </a:defRPr>
+            </a:lvl8pPr>
+            <a:lvl9pPr marL="5486263" lvl="8" indent="-423323">
+              <a:spcBef>
+                <a:spcPts val="2133"/>
+              </a:spcBef>
+              <a:spcAft>
+                <a:spcPts val="2133"/>
+              </a:spcAft>
+              <a:buClr>
+                <a:srgbClr val="000000"/>
+              </a:buClr>
+              <a:buSzPts val="1400"/>
+              <a:buChar char="■"/>
+              <a:defRPr>
+                <a:solidFill>
+                  <a:srgbClr val="000000"/>
+                </a:solidFill>
+              </a:defRPr>
+            </a:lvl9pPr>
+          </a:lstStyle>
+          <a:p>
+            <a:endParaRPr/>
+          </a:p>
+        </p:txBody>
+      </p:sp>
+      <p:sp>
+        <p:nvSpPr>
+          <p:cNvPr id="19" name="Google Shape;19;p4"/>
+          <p:cNvSpPr txBox="1">
+            <a:spLocks noGrp="1"/>
+          </p:cNvSpPr>
+          <p:nvPr>
+            <p:ph type="sldNum" idx="12"/>
+          </p:nvPr>
+        </p:nvSpPr>
+        <p:spPr>
+          <a:xfrm>
+            <a:off x="11296611" y="6217623"/>
+            <a:ext cx="731600" cy="524800"/>
+          </a:xfrm>
+          <a:prstGeom prst="rect">
+            <a:avLst/>
+          </a:prstGeom>
+        </p:spPr>
+        <p:txBody>
+          <a:bodyPr spcFirstLastPara="1" wrap="square" lIns="91425" tIns="91425" rIns="91425" bIns="91425" anchor="ctr" anchorCtr="0">
+            <a:noAutofit/>
+          </a:bodyPr>
+          <a:lstStyle>
+            <a:lvl1pPr lvl="0">
+              <a:buNone/>
+              <a:defRPr/>
+            </a:lvl1pPr>
+            <a:lvl2pPr lvl="1">
+              <a:buNone/>
+              <a:defRPr/>
+            </a:lvl2pPr>
+            <a:lvl3pPr lvl="2">
+              <a:buNone/>
+              <a:defRPr/>
+            </a:lvl3pPr>
+            <a:lvl4pPr lvl="3">
+              <a:buNone/>
+              <a:defRPr/>
+            </a:lvl4pPr>
+            <a:lvl5pPr lvl="4">
+              <a:buNone/>
+              <a:defRPr/>
+            </a:lvl5pPr>
+            <a:lvl6pPr lvl="5">
+              <a:buNone/>
+              <a:defRPr/>
+            </a:lvl6pPr>
+            <a:lvl7pPr lvl="6">
+              <a:buNone/>
+              <a:defRPr/>
+            </a:lvl7pPr>
+            <a:lvl8pPr lvl="7">
+              <a:buNone/>
+              <a:defRPr/>
+            </a:lvl8pPr>
+            <a:lvl9pPr lvl="8">
+              <a:buNone/>
+              <a:defRPr/>
+            </a:lvl9pPr>
+          </a:lstStyle>
+          <a:p>
+            <a:fld id="{00000000-1234-1234-1234-123412341234}" type="slidenum">
+              <a:rPr lang="en" smtClean="0"/>
+              <a:pPr/>
+              <a:t>‹#›</a:t>
+            </a:fld>
+            <a:endParaRPr lang="en"/>
+          </a:p>
+        </p:txBody>
+      </p:sp>
+    </p:spTree>
+    <p:extLst>
+      <p:ext uri="{BB962C8B-B14F-4D97-AF65-F5344CB8AC3E}">
+        <p14:creationId xmlns:p14="http://schemas.microsoft.com/office/powerpoint/2010/main" val="990140309"/>
       </p:ext>
     </p:extLst>
   </p:cSld>
@@ -1314,7 +1742,7 @@
           <a:p>
             <a:fld id="{C9A5E26F-99F5-6042-9D19-5B565D0B360D}" type="datetimeFigureOut">
               <a:rPr lang="en-US" smtClean="0"/>
-              <a:t>10/4/22</a:t>
+              <a:t>10/6/22</a:t>
             </a:fld>
             <a:endParaRPr lang="en-US"/>
           </a:p>
@@ -1589,7 +2017,7 @@
           <a:p>
             <a:fld id="{C9A5E26F-99F5-6042-9D19-5B565D0B360D}" type="datetimeFigureOut">
               <a:rPr lang="en-US" smtClean="0"/>
-              <a:t>10/4/22</a:t>
+              <a:t>10/6/22</a:t>
             </a:fld>
             <a:endParaRPr lang="en-US"/>
           </a:p>
@@ -1854,7 +2282,7 @@
           <a:p>
             <a:fld id="{C9A5E26F-99F5-6042-9D19-5B565D0B360D}" type="datetimeFigureOut">
               <a:rPr lang="en-US" smtClean="0"/>
-              <a:t>10/4/22</a:t>
+              <a:t>10/6/22</a:t>
             </a:fld>
             <a:endParaRPr lang="en-US"/>
           </a:p>
@@ -2266,7 +2694,7 @@
           <a:p>
             <a:fld id="{C9A5E26F-99F5-6042-9D19-5B565D0B360D}" type="datetimeFigureOut">
               <a:rPr lang="en-US" smtClean="0"/>
-              <a:t>10/4/22</a:t>
+              <a:t>10/6/22</a:t>
             </a:fld>
             <a:endParaRPr lang="en-US"/>
           </a:p>
@@ -2407,7 +2835,7 @@
           <a:p>
             <a:fld id="{C9A5E26F-99F5-6042-9D19-5B565D0B360D}" type="datetimeFigureOut">
               <a:rPr lang="en-US" smtClean="0"/>
-              <a:t>10/4/22</a:t>
+              <a:t>10/6/22</a:t>
             </a:fld>
             <a:endParaRPr lang="en-US"/>
           </a:p>
@@ -2520,7 +2948,7 @@
           <a:p>
             <a:fld id="{C9A5E26F-99F5-6042-9D19-5B565D0B360D}" type="datetimeFigureOut">
               <a:rPr lang="en-US" smtClean="0"/>
-              <a:t>10/4/22</a:t>
+              <a:t>10/6/22</a:t>
             </a:fld>
             <a:endParaRPr lang="en-US"/>
           </a:p>
@@ -2831,7 +3259,7 @@
           <a:p>
             <a:fld id="{C9A5E26F-99F5-6042-9D19-5B565D0B360D}" type="datetimeFigureOut">
               <a:rPr lang="en-US" smtClean="0"/>
-              <a:t>10/4/22</a:t>
+              <a:t>10/6/22</a:t>
             </a:fld>
             <a:endParaRPr lang="en-US"/>
           </a:p>
@@ -3119,7 +3547,7 @@
           <a:p>
             <a:fld id="{C9A5E26F-99F5-6042-9D19-5B565D0B360D}" type="datetimeFigureOut">
               <a:rPr lang="en-US" smtClean="0"/>
-              <a:t>10/4/22</a:t>
+              <a:t>10/6/22</a:t>
             </a:fld>
             <a:endParaRPr lang="en-US"/>
           </a:p>
@@ -3360,7 +3788,7 @@
           <a:p>
             <a:fld id="{C9A5E26F-99F5-6042-9D19-5B565D0B360D}" type="datetimeFigureOut">
               <a:rPr lang="en-US" smtClean="0"/>
-              <a:t>10/4/22</a:t>
+              <a:t>10/6/22</a:t>
             </a:fld>
             <a:endParaRPr lang="en-US"/>
           </a:p>
@@ -3476,6 +3904,7 @@
     <p:sldLayoutId id="2147483657" r:id="rId9"/>
     <p:sldLayoutId id="2147483658" r:id="rId10"/>
     <p:sldLayoutId id="2147483659" r:id="rId11"/>
+    <p:sldLayoutId id="2147483660" r:id="rId12"/>
   </p:sldLayoutIdLst>
   <p:txStyles>
     <p:titleStyle>
@@ -3875,7 +4304,7 @@
           <p:cNvPr id="2" name="Title 1">
             <a:extLst>
               <a:ext uri="{FF2B5EF4-FFF2-40B4-BE49-F238E27FC236}">
-                <a16:creationId xmlns:a16="http://schemas.microsoft.com/office/drawing/2014/main" id="{91D274C9-7E7B-A441-A087-EFE3B981D8E5}"/>
+                <a16:creationId xmlns:a16="http://schemas.microsoft.com/office/drawing/2014/main" id="{DA83775A-69D2-9742-B06C-E2BF29AFD89B}"/>
               </a:ext>
             </a:extLst>
           </p:cNvPr>
@@ -3896,17 +4325,17 @@
             </a:pPr>
             <a:r>
               <a:rPr lang="en-US" dirty="0"/>
-              <a:t>Propagating Changes</a:t>
-            </a:r>
-          </a:p>
-        </p:txBody>
-      </p:sp>
-      <p:sp>
-        <p:nvSpPr>
-          <p:cNvPr id="3" name="Slide Number Placeholder 2">
-            <a:extLst>
-              <a:ext uri="{FF2B5EF4-FFF2-40B4-BE49-F238E27FC236}">
-                <a16:creationId xmlns:a16="http://schemas.microsoft.com/office/drawing/2014/main" id="{B824863D-8C8E-C946-BA40-AC2AB8A880FA}"/>
+              <a:t>Google Web Service</a:t>
+            </a:r>
+          </a:p>
+        </p:txBody>
+      </p:sp>
+      <p:sp>
+        <p:nvSpPr>
+          <p:cNvPr id="4" name="Slide Number Placeholder 3">
+            <a:extLst>
+              <a:ext uri="{FF2B5EF4-FFF2-40B4-BE49-F238E27FC236}">
+                <a16:creationId xmlns:a16="http://schemas.microsoft.com/office/drawing/2014/main" id="{B813A556-22E1-B140-8431-C8FD503FD371}"/>
               </a:ext>
             </a:extLst>
           </p:cNvPr>
@@ -3920,14 +4349,14 @@
         <p:spPr>
           <a:extLst>
             <a:ext uri="{909E8E84-426E-40dd-AFC4-6F175D3DCCD1}">
-              <a14:hiddenFill xmlns:a14="http://schemas.microsoft.com/office/drawing/2010/main" xmlns="">
+              <a14:hiddenFill xmlns="" xmlns:a14="http://schemas.microsoft.com/office/drawing/2010/main">
                 <a:solidFill>
                   <a:schemeClr val="accent1"/>
                 </a:solidFill>
               </a14:hiddenFill>
             </a:ext>
             <a:ext uri="{91240B29-F687-4f45-9708-019B960494DF}">
-              <a14:hiddenLine xmlns:a14="http://schemas.microsoft.com/office/drawing/2010/main" xmlns="" w="9525">
+              <a14:hiddenLine xmlns="" xmlns:a14="http://schemas.microsoft.com/office/drawing/2010/main" w="9525">
                 <a:solidFill>
                   <a:schemeClr val="tx1"/>
                 </a:solidFill>
@@ -3937,7 +4366,7 @@
               </a14:hiddenLine>
             </a:ext>
             <a:ext uri="{AF507438-7753-43e0-B8FC-AC1667EBCBE1}">
-              <a14:hiddenEffects xmlns:a14="http://schemas.microsoft.com/office/drawing/2010/main" xmlns="">
+              <a14:hiddenEffects xmlns="" xmlns:a14="http://schemas.microsoft.com/office/drawing/2010/main">
                 <a:effectLst>
                   <a:outerShdw blurRad="63500" dist="38099" dir="2700000" algn="ctr" rotWithShape="0">
                     <a:schemeClr val="bg2">
@@ -3948,7 +4377,7 @@
               </a14:hiddenEffects>
             </a:ext>
             <a:ext uri="{FAA26D3D-D897-4be2-8F04-BA451C77F1D7}">
-              <ma14:placeholderFlag xmlns:ma14="http://schemas.microsoft.com/office/mac/drawingml/2011/main" xmlns="" val="1"/>
+              <ma14:placeholderFlag xmlns="" xmlns:ma14="http://schemas.microsoft.com/office/mac/drawingml/2011/main" val="1"/>
             </a:ext>
           </a:extLst>
         </p:spPr>
@@ -4063,7 +4492,7 @@
           </a:lstStyle>
           <a:p>
             <a:pPr eaLnBrk="1" hangingPunct="1"/>
-            <a:fld id="{9D653E22-09BA-6545-ABA2-A3D27D21CF52}" type="slidenum">
+            <a:fld id="{107BECBE-1E97-7E48-81E9-C5AD5CC784A4}" type="slidenum">
               <a:rPr lang="en-US" altLang="en-US" sz="1400"/>
               <a:pPr eaLnBrk="1" hangingPunct="1"/>
               <a:t>10</a:t>
@@ -4074,10 +4503,10 @@
       </p:sp>
       <p:pic>
         <p:nvPicPr>
-          <p:cNvPr id="47107" name="Picture 3">
-            <a:extLst>
-              <a:ext uri="{FF2B5EF4-FFF2-40B4-BE49-F238E27FC236}">
-                <a16:creationId xmlns:a16="http://schemas.microsoft.com/office/drawing/2014/main" id="{D5AD4822-E32D-8645-B5A6-F249F7DEAE03}"/>
+          <p:cNvPr id="46083" name="Picture 5">
+            <a:extLst>
+              <a:ext uri="{FF2B5EF4-FFF2-40B4-BE49-F238E27FC236}">
+                <a16:creationId xmlns:a16="http://schemas.microsoft.com/office/drawing/2014/main" id="{8594947F-6A88-3945-BACB-768FBDB5BD5F}"/>
               </a:ext>
             </a:extLst>
           </p:cNvPr>
@@ -4101,8 +4530,8 @@
         </p:blipFill>
         <p:spPr bwMode="auto">
           <a:xfrm>
-            <a:off x="1866901" y="1484314"/>
-            <a:ext cx="8189913" cy="5037137"/>
+            <a:off x="1544638" y="1201738"/>
+            <a:ext cx="9144000" cy="5611812"/>
           </a:xfrm>
           <a:prstGeom prst="rect">
             <a:avLst/>
@@ -4162,7 +4591,7 @@
           <p:cNvPr id="2" name="Title 1">
             <a:extLst>
               <a:ext uri="{FF2B5EF4-FFF2-40B4-BE49-F238E27FC236}">
-                <a16:creationId xmlns:a16="http://schemas.microsoft.com/office/drawing/2014/main" id="{5155B230-2C97-EC48-9364-3826E867E99B}"/>
+                <a16:creationId xmlns:a16="http://schemas.microsoft.com/office/drawing/2014/main" id="{91D274C9-7E7B-A441-A087-EFE3B981D8E5}"/>
               </a:ext>
             </a:extLst>
           </p:cNvPr>
@@ -4178,9 +4607,12 @@
           <a:bodyPr/>
           <a:lstStyle/>
           <a:p>
-            <a:r>
-              <a:rPr lang="en-US" altLang="en-US"/>
-              <a:t>Example: “Draining” a Data Center</a:t>
+            <a:pPr>
+              <a:defRPr/>
+            </a:pPr>
+            <a:r>
+              <a:rPr lang="en-US" dirty="0"/>
+              <a:t>Propagating Changes</a:t>
             </a:r>
           </a:p>
         </p:txBody>
@@ -4190,7 +4622,7 @@
           <p:cNvPr id="3" name="Slide Number Placeholder 2">
             <a:extLst>
               <a:ext uri="{FF2B5EF4-FFF2-40B4-BE49-F238E27FC236}">
-                <a16:creationId xmlns:a16="http://schemas.microsoft.com/office/drawing/2014/main" id="{C80492A3-D557-F54E-8955-E2063A7B9995}"/>
+                <a16:creationId xmlns:a16="http://schemas.microsoft.com/office/drawing/2014/main" id="{B824863D-8C8E-C946-BA40-AC2AB8A880FA}"/>
               </a:ext>
             </a:extLst>
           </p:cNvPr>
@@ -4204,14 +4636,14 @@
         <p:spPr>
           <a:extLst>
             <a:ext uri="{909E8E84-426E-40dd-AFC4-6F175D3DCCD1}">
-              <a14:hiddenFill xmlns:a14="http://schemas.microsoft.com/office/drawing/2010/main" xmlns="">
+              <a14:hiddenFill xmlns="" xmlns:a14="http://schemas.microsoft.com/office/drawing/2010/main">
                 <a:solidFill>
                   <a:schemeClr val="accent1"/>
                 </a:solidFill>
               </a14:hiddenFill>
             </a:ext>
             <a:ext uri="{91240B29-F687-4f45-9708-019B960494DF}">
-              <a14:hiddenLine xmlns:a14="http://schemas.microsoft.com/office/drawing/2010/main" xmlns="" w="9525">
+              <a14:hiddenLine xmlns="" xmlns:a14="http://schemas.microsoft.com/office/drawing/2010/main" w="9525">
                 <a:solidFill>
                   <a:schemeClr val="tx1"/>
                 </a:solidFill>
@@ -4221,7 +4653,7 @@
               </a14:hiddenLine>
             </a:ext>
             <a:ext uri="{AF507438-7753-43e0-B8FC-AC1667EBCBE1}">
-              <a14:hiddenEffects xmlns:a14="http://schemas.microsoft.com/office/drawing/2010/main" xmlns="">
+              <a14:hiddenEffects xmlns="" xmlns:a14="http://schemas.microsoft.com/office/drawing/2010/main">
                 <a:effectLst>
                   <a:outerShdw blurRad="63500" dist="38099" dir="2700000" algn="ctr" rotWithShape="0">
                     <a:schemeClr val="bg2">
@@ -4232,7 +4664,7 @@
               </a14:hiddenEffects>
             </a:ext>
             <a:ext uri="{FAA26D3D-D897-4be2-8F04-BA451C77F1D7}">
-              <ma14:placeholderFlag xmlns:ma14="http://schemas.microsoft.com/office/mac/drawingml/2011/main" xmlns="" val="1"/>
+              <ma14:placeholderFlag xmlns="" xmlns:ma14="http://schemas.microsoft.com/office/mac/drawingml/2011/main" val="1"/>
             </a:ext>
           </a:extLst>
         </p:spPr>
@@ -4347,7 +4779,7 @@
           </a:lstStyle>
           <a:p>
             <a:pPr eaLnBrk="1" hangingPunct="1"/>
-            <a:fld id="{E46286B6-C58C-294D-BE90-508B3C8B77E9}" type="slidenum">
+            <a:fld id="{9D653E22-09BA-6545-ABA2-A3D27D21CF52}" type="slidenum">
               <a:rPr lang="en-US" altLang="en-US" sz="1400"/>
               <a:pPr eaLnBrk="1" hangingPunct="1"/>
               <a:t>11</a:t>
@@ -4358,10 +4790,10 @@
       </p:sp>
       <p:pic>
         <p:nvPicPr>
-          <p:cNvPr id="48131" name="Picture 3">
-            <a:extLst>
-              <a:ext uri="{FF2B5EF4-FFF2-40B4-BE49-F238E27FC236}">
-                <a16:creationId xmlns:a16="http://schemas.microsoft.com/office/drawing/2014/main" id="{2A7668D6-6BBC-A643-8877-6BF3636419C0}"/>
+          <p:cNvPr id="47107" name="Picture 3">
+            <a:extLst>
+              <a:ext uri="{FF2B5EF4-FFF2-40B4-BE49-F238E27FC236}">
+                <a16:creationId xmlns:a16="http://schemas.microsoft.com/office/drawing/2014/main" id="{D5AD4822-E32D-8645-B5A6-F249F7DEAE03}"/>
               </a:ext>
             </a:extLst>
           </p:cNvPr>
@@ -4385,8 +4817,8 @@
         </p:blipFill>
         <p:spPr bwMode="auto">
           <a:xfrm>
-            <a:off x="2135188" y="1341438"/>
-            <a:ext cx="7669212" cy="5314950"/>
+            <a:off x="1866901" y="1484314"/>
+            <a:ext cx="8189913" cy="5037137"/>
           </a:xfrm>
           <a:prstGeom prst="rect">
             <a:avLst/>
@@ -4446,7 +4878,7 @@
           <p:cNvPr id="2" name="Title 1">
             <a:extLst>
               <a:ext uri="{FF2B5EF4-FFF2-40B4-BE49-F238E27FC236}">
-                <a16:creationId xmlns:a16="http://schemas.microsoft.com/office/drawing/2014/main" id="{062318D0-B711-6E40-B77C-077BDC059857}"/>
+                <a16:creationId xmlns:a16="http://schemas.microsoft.com/office/drawing/2014/main" id="{5155B230-2C97-EC48-9364-3826E867E99B}"/>
               </a:ext>
             </a:extLst>
           </p:cNvPr>
@@ -4462,12 +4894,9 @@
           <a:bodyPr/>
           <a:lstStyle/>
           <a:p>
-            <a:pPr>
-              <a:defRPr/>
-            </a:pPr>
-            <a:r>
-              <a:rPr lang="en-US" dirty="0"/>
-              <a:t>High Prediction Accuracy</a:t>
+            <a:r>
+              <a:rPr lang="en-US" altLang="en-US"/>
+              <a:t>Example: “Draining” a Data Center</a:t>
             </a:r>
           </a:p>
         </p:txBody>
@@ -4477,7 +4906,7 @@
           <p:cNvPr id="3" name="Slide Number Placeholder 2">
             <a:extLst>
               <a:ext uri="{FF2B5EF4-FFF2-40B4-BE49-F238E27FC236}">
-                <a16:creationId xmlns:a16="http://schemas.microsoft.com/office/drawing/2014/main" id="{8239A966-2585-B648-B9B5-97ABBD7318D8}"/>
+                <a16:creationId xmlns:a16="http://schemas.microsoft.com/office/drawing/2014/main" id="{C80492A3-D557-F54E-8955-E2063A7B9995}"/>
               </a:ext>
             </a:extLst>
           </p:cNvPr>
@@ -4491,14 +4920,14 @@
         <p:spPr>
           <a:extLst>
             <a:ext uri="{909E8E84-426E-40dd-AFC4-6F175D3DCCD1}">
-              <a14:hiddenFill xmlns:a14="http://schemas.microsoft.com/office/drawing/2010/main" xmlns="">
+              <a14:hiddenFill xmlns="" xmlns:a14="http://schemas.microsoft.com/office/drawing/2010/main">
                 <a:solidFill>
                   <a:schemeClr val="accent1"/>
                 </a:solidFill>
               </a14:hiddenFill>
             </a:ext>
             <a:ext uri="{91240B29-F687-4f45-9708-019B960494DF}">
-              <a14:hiddenLine xmlns:a14="http://schemas.microsoft.com/office/drawing/2010/main" xmlns="" w="9525">
+              <a14:hiddenLine xmlns="" xmlns:a14="http://schemas.microsoft.com/office/drawing/2010/main" w="9525">
                 <a:solidFill>
                   <a:schemeClr val="tx1"/>
                 </a:solidFill>
@@ -4508,7 +4937,7 @@
               </a14:hiddenLine>
             </a:ext>
             <a:ext uri="{AF507438-7753-43e0-B8FC-AC1667EBCBE1}">
-              <a14:hiddenEffects xmlns:a14="http://schemas.microsoft.com/office/drawing/2010/main" xmlns="">
+              <a14:hiddenEffects xmlns="" xmlns:a14="http://schemas.microsoft.com/office/drawing/2010/main">
                 <a:effectLst>
                   <a:outerShdw blurRad="63500" dist="38099" dir="2700000" algn="ctr" rotWithShape="0">
                     <a:schemeClr val="bg2">
@@ -4519,7 +4948,7 @@
               </a14:hiddenEffects>
             </a:ext>
             <a:ext uri="{FAA26D3D-D897-4be2-8F04-BA451C77F1D7}">
-              <ma14:placeholderFlag xmlns:ma14="http://schemas.microsoft.com/office/mac/drawingml/2011/main" xmlns="" val="1"/>
+              <ma14:placeholderFlag xmlns="" xmlns:ma14="http://schemas.microsoft.com/office/mac/drawingml/2011/main" val="1"/>
             </a:ext>
           </a:extLst>
         </p:spPr>
@@ -4634,7 +5063,7 @@
           </a:lstStyle>
           <a:p>
             <a:pPr eaLnBrk="1" hangingPunct="1"/>
-            <a:fld id="{4347C65A-076A-2E4A-8D6B-BE6DBD107890}" type="slidenum">
+            <a:fld id="{E46286B6-C58C-294D-BE90-508B3C8B77E9}" type="slidenum">
               <a:rPr lang="en-US" altLang="en-US" sz="1400"/>
               <a:pPr eaLnBrk="1" hangingPunct="1"/>
               <a:t>12</a:t>
@@ -4645,10 +5074,10 @@
       </p:sp>
       <p:pic>
         <p:nvPicPr>
-          <p:cNvPr id="49155" name="Picture 3">
-            <a:extLst>
-              <a:ext uri="{FF2B5EF4-FFF2-40B4-BE49-F238E27FC236}">
-                <a16:creationId xmlns:a16="http://schemas.microsoft.com/office/drawing/2014/main" id="{BE82662C-EE80-B545-ABB5-A0C71BDE4F8E}"/>
+          <p:cNvPr id="48131" name="Picture 3">
+            <a:extLst>
+              <a:ext uri="{FF2B5EF4-FFF2-40B4-BE49-F238E27FC236}">
+                <a16:creationId xmlns:a16="http://schemas.microsoft.com/office/drawing/2014/main" id="{2A7668D6-6BBC-A643-8877-6BF3636419C0}"/>
               </a:ext>
             </a:extLst>
           </p:cNvPr>
@@ -4658,7 +5087,7 @@
           <p:nvPr/>
         </p:nvPicPr>
         <p:blipFill>
-          <a:blip r:embed="rId3">
+          <a:blip r:embed="rId2">
             <a:extLst>
               <a:ext uri="{28A0092B-C50C-407E-A947-70E740481C1C}">
                 <a14:useLocalDpi xmlns:a14="http://schemas.microsoft.com/office/drawing/2010/main" val="0"/>
@@ -4672,8 +5101,8 @@
         </p:blipFill>
         <p:spPr bwMode="auto">
           <a:xfrm>
-            <a:off x="2424114" y="1268414"/>
-            <a:ext cx="7272337" cy="5540375"/>
+            <a:off x="2135188" y="1341438"/>
+            <a:ext cx="7669212" cy="5314950"/>
           </a:xfrm>
           <a:prstGeom prst="rect">
             <a:avLst/>
@@ -4730,6 +5159,293 @@
       </p:grpSpPr>
       <p:sp>
         <p:nvSpPr>
+          <p:cNvPr id="2" name="Title 1">
+            <a:extLst>
+              <a:ext uri="{FF2B5EF4-FFF2-40B4-BE49-F238E27FC236}">
+                <a16:creationId xmlns:a16="http://schemas.microsoft.com/office/drawing/2014/main" id="{062318D0-B711-6E40-B77C-077BDC059857}"/>
+              </a:ext>
+            </a:extLst>
+          </p:cNvPr>
+          <p:cNvSpPr>
+            <a:spLocks noGrp="1"/>
+          </p:cNvSpPr>
+          <p:nvPr>
+            <p:ph type="title"/>
+          </p:nvPr>
+        </p:nvSpPr>
+        <p:spPr/>
+        <p:txBody>
+          <a:bodyPr/>
+          <a:lstStyle/>
+          <a:p>
+            <a:pPr>
+              <a:defRPr/>
+            </a:pPr>
+            <a:r>
+              <a:rPr lang="en-US" dirty="0"/>
+              <a:t>High Prediction Accuracy</a:t>
+            </a:r>
+          </a:p>
+        </p:txBody>
+      </p:sp>
+      <p:sp>
+        <p:nvSpPr>
+          <p:cNvPr id="3" name="Slide Number Placeholder 2">
+            <a:extLst>
+              <a:ext uri="{FF2B5EF4-FFF2-40B4-BE49-F238E27FC236}">
+                <a16:creationId xmlns:a16="http://schemas.microsoft.com/office/drawing/2014/main" id="{8239A966-2585-B648-B9B5-97ABBD7318D8}"/>
+              </a:ext>
+            </a:extLst>
+          </p:cNvPr>
+          <p:cNvSpPr>
+            <a:spLocks noGrp="1"/>
+          </p:cNvSpPr>
+          <p:nvPr>
+            <p:ph type="sldNum" sz="quarter" idx="12"/>
+          </p:nvPr>
+        </p:nvSpPr>
+        <p:spPr>
+          <a:extLst>
+            <a:ext uri="{909E8E84-426E-40dd-AFC4-6F175D3DCCD1}">
+              <a14:hiddenFill xmlns="" xmlns:a14="http://schemas.microsoft.com/office/drawing/2010/main">
+                <a:solidFill>
+                  <a:schemeClr val="accent1"/>
+                </a:solidFill>
+              </a14:hiddenFill>
+            </a:ext>
+            <a:ext uri="{91240B29-F687-4f45-9708-019B960494DF}">
+              <a14:hiddenLine xmlns="" xmlns:a14="http://schemas.microsoft.com/office/drawing/2010/main" w="9525">
+                <a:solidFill>
+                  <a:schemeClr val="tx1"/>
+                </a:solidFill>
+                <a:miter lim="800000"/>
+                <a:headEnd/>
+                <a:tailEnd/>
+              </a14:hiddenLine>
+            </a:ext>
+            <a:ext uri="{AF507438-7753-43e0-B8FC-AC1667EBCBE1}">
+              <a14:hiddenEffects xmlns="" xmlns:a14="http://schemas.microsoft.com/office/drawing/2010/main">
+                <a:effectLst>
+                  <a:outerShdw blurRad="63500" dist="38099" dir="2700000" algn="ctr" rotWithShape="0">
+                    <a:schemeClr val="bg2">
+                      <a:alpha val="74998"/>
+                    </a:schemeClr>
+                  </a:outerShdw>
+                </a:effectLst>
+              </a14:hiddenEffects>
+            </a:ext>
+            <a:ext uri="{FAA26D3D-D897-4be2-8F04-BA451C77F1D7}">
+              <ma14:placeholderFlag xmlns="" xmlns:ma14="http://schemas.microsoft.com/office/mac/drawingml/2011/main" val="1"/>
+            </a:ext>
+          </a:extLst>
+        </p:spPr>
+        <p:txBody>
+          <a:bodyPr/>
+          <a:lstStyle>
+            <a:lvl1pPr eaLnBrk="0" hangingPunct="0">
+              <a:defRPr sz="2400">
+                <a:solidFill>
+                  <a:schemeClr val="tx1"/>
+                </a:solidFill>
+                <a:latin typeface="Arial" panose="020B0604020202020204" pitchFamily="34" charset="0"/>
+                <a:ea typeface="宋体" panose="02010600030101010101" pitchFamily="2" charset="-122"/>
+              </a:defRPr>
+            </a:lvl1pPr>
+            <a:lvl2pPr marL="742950" indent="-285750" eaLnBrk="0" hangingPunct="0">
+              <a:defRPr sz="2400">
+                <a:solidFill>
+                  <a:schemeClr val="tx1"/>
+                </a:solidFill>
+                <a:latin typeface="Arial" panose="020B0604020202020204" pitchFamily="34" charset="0"/>
+                <a:ea typeface="宋体" panose="02010600030101010101" pitchFamily="2" charset="-122"/>
+              </a:defRPr>
+            </a:lvl2pPr>
+            <a:lvl3pPr marL="1143000" indent="-228600" eaLnBrk="0" hangingPunct="0">
+              <a:defRPr sz="2400">
+                <a:solidFill>
+                  <a:schemeClr val="tx1"/>
+                </a:solidFill>
+                <a:latin typeface="Arial" panose="020B0604020202020204" pitchFamily="34" charset="0"/>
+                <a:ea typeface="宋体" panose="02010600030101010101" pitchFamily="2" charset="-122"/>
+              </a:defRPr>
+            </a:lvl3pPr>
+            <a:lvl4pPr marL="1600200" indent="-228600" eaLnBrk="0" hangingPunct="0">
+              <a:defRPr sz="2400">
+                <a:solidFill>
+                  <a:schemeClr val="tx1"/>
+                </a:solidFill>
+                <a:latin typeface="Arial" panose="020B0604020202020204" pitchFamily="34" charset="0"/>
+                <a:ea typeface="宋体" panose="02010600030101010101" pitchFamily="2" charset="-122"/>
+              </a:defRPr>
+            </a:lvl4pPr>
+            <a:lvl5pPr marL="2057400" indent="-228600" eaLnBrk="0" hangingPunct="0">
+              <a:defRPr sz="2400">
+                <a:solidFill>
+                  <a:schemeClr val="tx1"/>
+                </a:solidFill>
+                <a:latin typeface="Arial" panose="020B0604020202020204" pitchFamily="34" charset="0"/>
+                <a:ea typeface="宋体" panose="02010600030101010101" pitchFamily="2" charset="-122"/>
+              </a:defRPr>
+            </a:lvl5pPr>
+            <a:lvl6pPr marL="2514600" indent="-228600" eaLnBrk="0" fontAlgn="base" hangingPunct="0">
+              <a:spcBef>
+                <a:spcPct val="0"/>
+              </a:spcBef>
+              <a:spcAft>
+                <a:spcPct val="0"/>
+              </a:spcAft>
+              <a:defRPr sz="2400">
+                <a:solidFill>
+                  <a:schemeClr val="tx1"/>
+                </a:solidFill>
+                <a:latin typeface="Arial" panose="020B0604020202020204" pitchFamily="34" charset="0"/>
+                <a:ea typeface="宋体" panose="02010600030101010101" pitchFamily="2" charset="-122"/>
+              </a:defRPr>
+            </a:lvl6pPr>
+            <a:lvl7pPr marL="2971800" indent="-228600" eaLnBrk="0" fontAlgn="base" hangingPunct="0">
+              <a:spcBef>
+                <a:spcPct val="0"/>
+              </a:spcBef>
+              <a:spcAft>
+                <a:spcPct val="0"/>
+              </a:spcAft>
+              <a:defRPr sz="2400">
+                <a:solidFill>
+                  <a:schemeClr val="tx1"/>
+                </a:solidFill>
+                <a:latin typeface="Arial" panose="020B0604020202020204" pitchFamily="34" charset="0"/>
+                <a:ea typeface="宋体" panose="02010600030101010101" pitchFamily="2" charset="-122"/>
+              </a:defRPr>
+            </a:lvl7pPr>
+            <a:lvl8pPr marL="3429000" indent="-228600" eaLnBrk="0" fontAlgn="base" hangingPunct="0">
+              <a:spcBef>
+                <a:spcPct val="0"/>
+              </a:spcBef>
+              <a:spcAft>
+                <a:spcPct val="0"/>
+              </a:spcAft>
+              <a:defRPr sz="2400">
+                <a:solidFill>
+                  <a:schemeClr val="tx1"/>
+                </a:solidFill>
+                <a:latin typeface="Arial" panose="020B0604020202020204" pitchFamily="34" charset="0"/>
+                <a:ea typeface="宋体" panose="02010600030101010101" pitchFamily="2" charset="-122"/>
+              </a:defRPr>
+            </a:lvl8pPr>
+            <a:lvl9pPr marL="3886200" indent="-228600" eaLnBrk="0" fontAlgn="base" hangingPunct="0">
+              <a:spcBef>
+                <a:spcPct val="0"/>
+              </a:spcBef>
+              <a:spcAft>
+                <a:spcPct val="0"/>
+              </a:spcAft>
+              <a:defRPr sz="2400">
+                <a:solidFill>
+                  <a:schemeClr val="tx1"/>
+                </a:solidFill>
+                <a:latin typeface="Arial" panose="020B0604020202020204" pitchFamily="34" charset="0"/>
+                <a:ea typeface="宋体" panose="02010600030101010101" pitchFamily="2" charset="-122"/>
+              </a:defRPr>
+            </a:lvl9pPr>
+          </a:lstStyle>
+          <a:p>
+            <a:pPr eaLnBrk="1" hangingPunct="1"/>
+            <a:fld id="{4347C65A-076A-2E4A-8D6B-BE6DBD107890}" type="slidenum">
+              <a:rPr lang="en-US" altLang="en-US" sz="1400"/>
+              <a:pPr eaLnBrk="1" hangingPunct="1"/>
+              <a:t>13</a:t>
+            </a:fld>
+            <a:endParaRPr lang="en-US" altLang="en-US" sz="1400"/>
+          </a:p>
+        </p:txBody>
+      </p:sp>
+      <p:pic>
+        <p:nvPicPr>
+          <p:cNvPr id="49155" name="Picture 3">
+            <a:extLst>
+              <a:ext uri="{FF2B5EF4-FFF2-40B4-BE49-F238E27FC236}">
+                <a16:creationId xmlns:a16="http://schemas.microsoft.com/office/drawing/2014/main" id="{BE82662C-EE80-B545-ABB5-A0C71BDE4F8E}"/>
+              </a:ext>
+            </a:extLst>
+          </p:cNvPr>
+          <p:cNvPicPr>
+            <a:picLocks noChangeAspect="1"/>
+          </p:cNvPicPr>
+          <p:nvPr/>
+        </p:nvPicPr>
+        <p:blipFill>
+          <a:blip r:embed="rId3">
+            <a:extLst>
+              <a:ext uri="{28A0092B-C50C-407E-A947-70E740481C1C}">
+                <a14:useLocalDpi xmlns:a14="http://schemas.microsoft.com/office/drawing/2010/main" val="0"/>
+              </a:ext>
+            </a:extLst>
+          </a:blip>
+          <a:srcRect/>
+          <a:stretch>
+            <a:fillRect/>
+          </a:stretch>
+        </p:blipFill>
+        <p:spPr bwMode="auto">
+          <a:xfrm>
+            <a:off x="2424114" y="1268414"/>
+            <a:ext cx="7272337" cy="5540375"/>
+          </a:xfrm>
+          <a:prstGeom prst="rect">
+            <a:avLst/>
+          </a:prstGeom>
+          <a:noFill/>
+          <a:ln>
+            <a:noFill/>
+          </a:ln>
+          <a:extLst>
+            <a:ext uri="{909E8E84-426E-40DD-AFC4-6F175D3DCCD1}">
+              <a14:hiddenFill xmlns:a14="http://schemas.microsoft.com/office/drawing/2010/main">
+                <a:solidFill>
+                  <a:srgbClr val="FFFFFF"/>
+                </a:solidFill>
+              </a14:hiddenFill>
+            </a:ext>
+            <a:ext uri="{91240B29-F687-4F45-9708-019B960494DF}">
+              <a14:hiddenLine xmlns:a14="http://schemas.microsoft.com/office/drawing/2010/main" w="9525">
+                <a:solidFill>
+                  <a:srgbClr val="000000"/>
+                </a:solidFill>
+                <a:miter lim="800000"/>
+                <a:headEnd/>
+                <a:tailEnd/>
+              </a14:hiddenLine>
+            </a:ext>
+          </a:extLst>
+        </p:spPr>
+      </p:pic>
+    </p:spTree>
+  </p:cSld>
+  <p:clrMapOvr>
+    <a:masterClrMapping/>
+  </p:clrMapOvr>
+</p:sld>
+</file>
+
+<file path=ppt/slides/slide14.xml><?xml version="1.0" encoding="utf-8"?>
+<p:sld xmlns:a="http://schemas.openxmlformats.org/drawingml/2006/main" xmlns:r="http://schemas.openxmlformats.org/officeDocument/2006/relationships" xmlns:p="http://schemas.openxmlformats.org/presentationml/2006/main">
+  <p:cSld>
+    <p:spTree>
+      <p:nvGrpSpPr>
+        <p:cNvPr id="1" name=""/>
+        <p:cNvGrpSpPr/>
+        <p:nvPr/>
+      </p:nvGrpSpPr>
+      <p:grpSpPr>
+        <a:xfrm>
+          <a:off x="0" y="0"/>
+          <a:ext cx="0" cy="0"/>
+          <a:chOff x="0" y="0"/>
+          <a:chExt cx="0" cy="0"/>
+        </a:xfrm>
+      </p:grpSpPr>
+      <p:sp>
+        <p:nvSpPr>
           <p:cNvPr id="28673" name="Rectangle 1">
             <a:extLst>
               <a:ext uri="{FF2B5EF4-FFF2-40B4-BE49-F238E27FC236}">
@@ -4941,6 +5657,190 @@
       </p:grpSpPr>
       <p:sp>
         <p:nvSpPr>
+          <p:cNvPr id="2" name="Title 1">
+            <a:extLst>
+              <a:ext uri="{FF2B5EF4-FFF2-40B4-BE49-F238E27FC236}">
+                <a16:creationId xmlns:a16="http://schemas.microsoft.com/office/drawing/2014/main" id="{39877661-D333-2140-8231-99E84861BFD5}"/>
+              </a:ext>
+            </a:extLst>
+          </p:cNvPr>
+          <p:cNvSpPr>
+            <a:spLocks noGrp="1"/>
+          </p:cNvSpPr>
+          <p:nvPr>
+            <p:ph type="title"/>
+          </p:nvPr>
+        </p:nvSpPr>
+        <p:spPr/>
+        <p:txBody>
+          <a:bodyPr/>
+          <a:lstStyle/>
+          <a:p>
+            <a:r>
+              <a:rPr lang="en-US" sz="3600">
+                <a:latin typeface="Open Sans" panose="020B0606030504020204" pitchFamily="34" charset="0"/>
+                <a:ea typeface="Open Sans" panose="020B0606030504020204" pitchFamily="34" charset="0"/>
+                <a:cs typeface="Open Sans" panose="020B0606030504020204" pitchFamily="34" charset="0"/>
+              </a:rPr>
+              <a:t>Adapt Video Quality </a:t>
+            </a:r>
+            <a:r>
+              <a:rPr lang="en-US" sz="3600" dirty="0">
+                <a:latin typeface="Open Sans" panose="020B0606030504020204" pitchFamily="34" charset="0"/>
+                <a:ea typeface="Open Sans" panose="020B0606030504020204" pitchFamily="34" charset="0"/>
+                <a:cs typeface="Open Sans" panose="020B0606030504020204" pitchFamily="34" charset="0"/>
+              </a:rPr>
+              <a:t>B</a:t>
+            </a:r>
+            <a:r>
+              <a:rPr lang="en-US" sz="3600">
+                <a:latin typeface="Open Sans" panose="020B0606030504020204" pitchFamily="34" charset="0"/>
+                <a:ea typeface="Open Sans" panose="020B0606030504020204" pitchFamily="34" charset="0"/>
+                <a:cs typeface="Open Sans" panose="020B0606030504020204" pitchFamily="34" charset="0"/>
+              </a:rPr>
+              <a:t>ased on Changing </a:t>
+            </a:r>
+            <a:r>
+              <a:rPr lang="en-US" sz="3600" dirty="0">
+                <a:latin typeface="Open Sans" panose="020B0606030504020204" pitchFamily="34" charset="0"/>
+                <a:ea typeface="Open Sans" panose="020B0606030504020204" pitchFamily="34" charset="0"/>
+                <a:cs typeface="Open Sans" panose="020B0606030504020204" pitchFamily="34" charset="0"/>
+              </a:rPr>
+              <a:t>C</a:t>
+            </a:r>
+            <a:r>
+              <a:rPr lang="en-US" sz="3600">
+                <a:latin typeface="Open Sans" panose="020B0606030504020204" pitchFamily="34" charset="0"/>
+                <a:ea typeface="Open Sans" panose="020B0606030504020204" pitchFamily="34" charset="0"/>
+                <a:cs typeface="Open Sans" panose="020B0606030504020204" pitchFamily="34" charset="0"/>
+              </a:rPr>
+              <a:t>onditions </a:t>
+            </a:r>
+            <a:endParaRPr lang="en-US" sz="3600" dirty="0">
+              <a:latin typeface="Open Sans" panose="020B0606030504020204" pitchFamily="34" charset="0"/>
+              <a:ea typeface="Open Sans" panose="020B0606030504020204" pitchFamily="34" charset="0"/>
+              <a:cs typeface="Open Sans" panose="020B0606030504020204" pitchFamily="34" charset="0"/>
+            </a:endParaRPr>
+          </a:p>
+        </p:txBody>
+      </p:sp>
+      <p:sp>
+        <p:nvSpPr>
+          <p:cNvPr id="3" name="Text Placeholder 2">
+            <a:extLst>
+              <a:ext uri="{FF2B5EF4-FFF2-40B4-BE49-F238E27FC236}">
+                <a16:creationId xmlns:a16="http://schemas.microsoft.com/office/drawing/2014/main" id="{5AEECC0C-DE3A-9A4B-AB32-1FCFD58385A5}"/>
+              </a:ext>
+            </a:extLst>
+          </p:cNvPr>
+          <p:cNvSpPr>
+            <a:spLocks noGrp="1"/>
+          </p:cNvSpPr>
+          <p:nvPr>
+            <p:ph type="body" idx="1"/>
+          </p:nvPr>
+        </p:nvSpPr>
+        <p:spPr/>
+        <p:txBody>
+          <a:bodyPr/>
+          <a:lstStyle/>
+          <a:p>
+            <a:endParaRPr lang="en-US"/>
+          </a:p>
+        </p:txBody>
+      </p:sp>
+      <p:sp>
+        <p:nvSpPr>
+          <p:cNvPr id="4" name="Slide Number Placeholder 3">
+            <a:extLst>
+              <a:ext uri="{FF2B5EF4-FFF2-40B4-BE49-F238E27FC236}">
+                <a16:creationId xmlns:a16="http://schemas.microsoft.com/office/drawing/2014/main" id="{B1F29524-8CB7-F943-B9C7-0B8864C44F7E}"/>
+              </a:ext>
+            </a:extLst>
+          </p:cNvPr>
+          <p:cNvSpPr>
+            <a:spLocks noGrp="1"/>
+          </p:cNvSpPr>
+          <p:nvPr>
+            <p:ph type="sldNum" idx="12"/>
+          </p:nvPr>
+        </p:nvSpPr>
+        <p:spPr/>
+        <p:txBody>
+          <a:bodyPr/>
+          <a:lstStyle/>
+          <a:p>
+            <a:fld id="{00000000-1234-1234-1234-123412341234}" type="slidenum">
+              <a:rPr lang="en" smtClean="0"/>
+              <a:pPr/>
+              <a:t>3</a:t>
+            </a:fld>
+            <a:endParaRPr lang="en"/>
+          </a:p>
+        </p:txBody>
+      </p:sp>
+      <p:pic>
+        <p:nvPicPr>
+          <p:cNvPr id="6" name="Picture 5">
+            <a:extLst>
+              <a:ext uri="{FF2B5EF4-FFF2-40B4-BE49-F238E27FC236}">
+                <a16:creationId xmlns:a16="http://schemas.microsoft.com/office/drawing/2014/main" id="{DA1A5082-550A-E14D-853B-1E0EC78EC284}"/>
+              </a:ext>
+            </a:extLst>
+          </p:cNvPr>
+          <p:cNvPicPr>
+            <a:picLocks noChangeAspect="1"/>
+          </p:cNvPicPr>
+          <p:nvPr/>
+        </p:nvPicPr>
+        <p:blipFill>
+          <a:blip r:embed="rId2"/>
+          <a:stretch>
+            <a:fillRect/>
+          </a:stretch>
+        </p:blipFill>
+        <p:spPr>
+          <a:xfrm>
+            <a:off x="696686" y="1203067"/>
+            <a:ext cx="10798628" cy="5200207"/>
+          </a:xfrm>
+          <a:prstGeom prst="rect">
+            <a:avLst/>
+          </a:prstGeom>
+        </p:spPr>
+      </p:pic>
+    </p:spTree>
+    <p:extLst>
+      <p:ext uri="{BB962C8B-B14F-4D97-AF65-F5344CB8AC3E}">
+        <p14:creationId xmlns:p14="http://schemas.microsoft.com/office/powerpoint/2010/main" val="2718133534"/>
+      </p:ext>
+    </p:extLst>
+  </p:cSld>
+  <p:clrMapOvr>
+    <a:masterClrMapping/>
+  </p:clrMapOvr>
+</p:sld>
+</file>
+
+<file path=ppt/slides/slide4.xml><?xml version="1.0" encoding="utf-8"?>
+<p:sld xmlns:a="http://schemas.openxmlformats.org/drawingml/2006/main" xmlns:r="http://schemas.openxmlformats.org/officeDocument/2006/relationships" xmlns:p="http://schemas.openxmlformats.org/presentationml/2006/main">
+  <p:cSld>
+    <p:spTree>
+      <p:nvGrpSpPr>
+        <p:cNvPr id="1" name=""/>
+        <p:cNvGrpSpPr/>
+        <p:nvPr/>
+      </p:nvGrpSpPr>
+      <p:grpSpPr>
+        <a:xfrm>
+          <a:off x="0" y="0"/>
+          <a:ext cx="0" cy="0"/>
+          <a:chOff x="0" y="0"/>
+          <a:chExt cx="0" cy="0"/>
+        </a:xfrm>
+      </p:grpSpPr>
+      <p:sp>
+        <p:nvSpPr>
           <p:cNvPr id="4" name="Title 3">
             <a:extLst>
               <a:ext uri="{FF2B5EF4-FFF2-40B4-BE49-F238E27FC236}">
@@ -5047,14 +5947,14 @@
         <p:spPr>
           <a:extLst>
             <a:ext uri="{909E8E84-426E-40dd-AFC4-6F175D3DCCD1}">
-              <a14:hiddenFill xmlns:a14="http://schemas.microsoft.com/office/drawing/2010/main" xmlns="">
+              <a14:hiddenFill xmlns="" xmlns:a14="http://schemas.microsoft.com/office/drawing/2010/main">
                 <a:solidFill>
                   <a:schemeClr val="accent1"/>
                 </a:solidFill>
               </a14:hiddenFill>
             </a:ext>
             <a:ext uri="{91240B29-F687-4f45-9708-019B960494DF}">
-              <a14:hiddenLine xmlns:a14="http://schemas.microsoft.com/office/drawing/2010/main" xmlns="" w="9525">
+              <a14:hiddenLine xmlns="" xmlns:a14="http://schemas.microsoft.com/office/drawing/2010/main" w="9525">
                 <a:solidFill>
                   <a:schemeClr val="tx1"/>
                 </a:solidFill>
@@ -5064,7 +5964,7 @@
               </a14:hiddenLine>
             </a:ext>
             <a:ext uri="{AF507438-7753-43e0-B8FC-AC1667EBCBE1}">
-              <a14:hiddenEffects xmlns:a14="http://schemas.microsoft.com/office/drawing/2010/main" xmlns="">
+              <a14:hiddenEffects xmlns="" xmlns:a14="http://schemas.microsoft.com/office/drawing/2010/main">
                 <a:effectLst>
                   <a:outerShdw blurRad="63500" dist="38099" dir="2700000" algn="ctr" rotWithShape="0">
                     <a:schemeClr val="bg2">
@@ -5075,7 +5975,7 @@
               </a14:hiddenEffects>
             </a:ext>
             <a:ext uri="{FAA26D3D-D897-4be2-8F04-BA451C77F1D7}">
-              <ma14:placeholderFlag xmlns:ma14="http://schemas.microsoft.com/office/mac/drawingml/2011/main" xmlns="" val="1"/>
+              <ma14:placeholderFlag xmlns="" xmlns:ma14="http://schemas.microsoft.com/office/mac/drawingml/2011/main" val="1"/>
             </a:ext>
           </a:extLst>
         </p:spPr>
@@ -5193,7 +6093,7 @@
             <a:fld id="{C488125B-4455-0B48-A480-1055F0DD8B9A}" type="slidenum">
               <a:rPr lang="en-US" altLang="en-US" sz="1400"/>
               <a:pPr eaLnBrk="1" hangingPunct="1"/>
-              <a:t>3</a:t>
+              <a:t>4</a:t>
             </a:fld>
             <a:endParaRPr lang="en-US" altLang="en-US" sz="1400"/>
           </a:p>
@@ -5415,7 +6315,7 @@
 </p:sld>
 </file>
 
-<file path=ppt/slides/slide4.xml><?xml version="1.0" encoding="utf-8"?>
+<file path=ppt/slides/slide5.xml><?xml version="1.0" encoding="utf-8"?>
 <p:sld xmlns:a="http://schemas.openxmlformats.org/drawingml/2006/main" xmlns:r="http://schemas.openxmlformats.org/officeDocument/2006/relationships" xmlns:p="http://schemas.openxmlformats.org/presentationml/2006/main">
   <p:cSld>
     <p:spTree>
@@ -5549,14 +6449,14 @@
         <p:spPr>
           <a:extLst>
             <a:ext uri="{909E8E84-426E-40dd-AFC4-6F175D3DCCD1}">
-              <a14:hiddenFill xmlns:a14="http://schemas.microsoft.com/office/drawing/2010/main" xmlns="">
+              <a14:hiddenFill xmlns="" xmlns:a14="http://schemas.microsoft.com/office/drawing/2010/main">
                 <a:solidFill>
                   <a:schemeClr val="accent1"/>
                 </a:solidFill>
               </a14:hiddenFill>
             </a:ext>
             <a:ext uri="{91240B29-F687-4f45-9708-019B960494DF}">
-              <a14:hiddenLine xmlns:a14="http://schemas.microsoft.com/office/drawing/2010/main" xmlns="" w="9525">
+              <a14:hiddenLine xmlns="" xmlns:a14="http://schemas.microsoft.com/office/drawing/2010/main" w="9525">
                 <a:solidFill>
                   <a:schemeClr val="tx1"/>
                 </a:solidFill>
@@ -5566,7 +6466,7 @@
               </a14:hiddenLine>
             </a:ext>
             <a:ext uri="{AF507438-7753-43e0-B8FC-AC1667EBCBE1}">
-              <a14:hiddenEffects xmlns:a14="http://schemas.microsoft.com/office/drawing/2010/main" xmlns="">
+              <a14:hiddenEffects xmlns="" xmlns:a14="http://schemas.microsoft.com/office/drawing/2010/main">
                 <a:effectLst>
                   <a:outerShdw blurRad="63500" dist="38099" dir="2700000" algn="ctr" rotWithShape="0">
                     <a:schemeClr val="bg2">
@@ -5577,7 +6477,7 @@
               </a14:hiddenEffects>
             </a:ext>
             <a:ext uri="{FAA26D3D-D897-4be2-8F04-BA451C77F1D7}">
-              <ma14:placeholderFlag xmlns:ma14="http://schemas.microsoft.com/office/mac/drawingml/2011/main" xmlns="" val="1"/>
+              <ma14:placeholderFlag xmlns="" xmlns:ma14="http://schemas.microsoft.com/office/mac/drawingml/2011/main" val="1"/>
             </a:ext>
           </a:extLst>
         </p:spPr>
@@ -5695,7 +6595,7 @@
             <a:fld id="{212D1261-1DC0-1946-A793-A2937CBA44FF}" type="slidenum">
               <a:rPr lang="en-US" altLang="en-US" sz="1400"/>
               <a:pPr eaLnBrk="1" hangingPunct="1"/>
-              <a:t>4</a:t>
+              <a:t>5</a:t>
             </a:fld>
             <a:endParaRPr lang="en-US" altLang="en-US" sz="1400"/>
           </a:p>
@@ -5709,7 +6609,7 @@
 </p:sld>
 </file>
 
-<file path=ppt/slides/slide5.xml><?xml version="1.0" encoding="utf-8"?>
+<file path=ppt/slides/slide6.xml><?xml version="1.0" encoding="utf-8"?>
 <p:sld xmlns:a="http://schemas.openxmlformats.org/drawingml/2006/main" xmlns:r="http://schemas.openxmlformats.org/officeDocument/2006/relationships" xmlns:p="http://schemas.openxmlformats.org/presentationml/2006/main">
   <p:cSld>
     <p:spTree>
@@ -7186,14 +8086,14 @@
           <a:effectLst/>
           <a:extLst>
             <a:ext uri="{909E8E84-426E-40dd-AFC4-6F175D3DCCD1}">
-              <a14:hiddenFill xmlns:a14="http://schemas.microsoft.com/office/drawing/2010/main" xmlns="">
+              <a14:hiddenFill xmlns="" xmlns:a14="http://schemas.microsoft.com/office/drawing/2010/main">
                 <a:solidFill>
                   <a:srgbClr val="FFFFFF"/>
                 </a:solidFill>
               </a14:hiddenFill>
             </a:ext>
             <a:ext uri="{91240B29-F687-4f45-9708-019B960494DF}">
-              <a14:hiddenLine xmlns:a14="http://schemas.microsoft.com/office/drawing/2010/main" xmlns="" w="12700">
+              <a14:hiddenLine xmlns="" xmlns:a14="http://schemas.microsoft.com/office/drawing/2010/main" w="12700">
                 <a:solidFill>
                   <a:schemeClr val="tx1"/>
                 </a:solidFill>
@@ -7203,7 +8103,7 @@
               </a14:hiddenLine>
             </a:ext>
             <a:ext uri="{AF507438-7753-43e0-B8FC-AC1667EBCBE1}">
-              <a14:hiddenEffects xmlns:a14="http://schemas.microsoft.com/office/drawing/2010/main" xmlns="">
+              <a14:hiddenEffects xmlns="" xmlns:a14="http://schemas.microsoft.com/office/drawing/2010/main">
                 <a:effectLst>
                   <a:outerShdw blurRad="63500" dist="38099" dir="2700000" algn="ctr" rotWithShape="0">
                     <a:srgbClr val="000000">
@@ -7332,7 +8232,7 @@
                 <a:ea typeface="ＭＳ Ｐゴシック" panose="020B0600070205080204" pitchFamily="34" charset="-128"/>
               </a:rPr>
               <a:pPr algn="ctr" eaLnBrk="1" hangingPunct="1"/>
-              <a:t>5</a:t>
+              <a:t>6</a:t>
             </a:fld>
             <a:endParaRPr lang="en-US" altLang="en-US" sz="1300">
               <a:latin typeface="Gill Sans" panose="020B0502020104020203" pitchFamily="34" charset="-79"/>
@@ -7846,293 +8746,6 @@
 </p:sld>
 </file>
 
-<file path=ppt/slides/slide6.xml><?xml version="1.0" encoding="utf-8"?>
-<p:sld xmlns:a="http://schemas.openxmlformats.org/drawingml/2006/main" xmlns:r="http://schemas.openxmlformats.org/officeDocument/2006/relationships" xmlns:p="http://schemas.openxmlformats.org/presentationml/2006/main">
-  <p:cSld>
-    <p:spTree>
-      <p:nvGrpSpPr>
-        <p:cNvPr id="1" name=""/>
-        <p:cNvGrpSpPr/>
-        <p:nvPr/>
-      </p:nvGrpSpPr>
-      <p:grpSpPr>
-        <a:xfrm>
-          <a:off x="0" y="0"/>
-          <a:ext cx="0" cy="0"/>
-          <a:chOff x="0" y="0"/>
-          <a:chExt cx="0" cy="0"/>
-        </a:xfrm>
-      </p:grpSpPr>
-      <p:sp>
-        <p:nvSpPr>
-          <p:cNvPr id="2" name="Title 1">
-            <a:extLst>
-              <a:ext uri="{FF2B5EF4-FFF2-40B4-BE49-F238E27FC236}">
-                <a16:creationId xmlns:a16="http://schemas.microsoft.com/office/drawing/2014/main" id="{A405EA24-A713-5541-B7F5-F383DAC37CA6}"/>
-              </a:ext>
-            </a:extLst>
-          </p:cNvPr>
-          <p:cNvSpPr>
-            <a:spLocks noGrp="1"/>
-          </p:cNvSpPr>
-          <p:nvPr>
-            <p:ph type="title"/>
-          </p:nvPr>
-        </p:nvSpPr>
-        <p:spPr/>
-        <p:txBody>
-          <a:bodyPr/>
-          <a:lstStyle/>
-          <a:p>
-            <a:pPr>
-              <a:defRPr/>
-            </a:pPr>
-            <a:r>
-              <a:rPr lang="en-US" dirty="0"/>
-              <a:t>Scenario Specification</a:t>
-            </a:r>
-          </a:p>
-        </p:txBody>
-      </p:sp>
-      <p:sp>
-        <p:nvSpPr>
-          <p:cNvPr id="4" name="Slide Number Placeholder 3">
-            <a:extLst>
-              <a:ext uri="{FF2B5EF4-FFF2-40B4-BE49-F238E27FC236}">
-                <a16:creationId xmlns:a16="http://schemas.microsoft.com/office/drawing/2014/main" id="{8E71EBDA-282F-E345-BBAF-5348D44600D0}"/>
-              </a:ext>
-            </a:extLst>
-          </p:cNvPr>
-          <p:cNvSpPr>
-            <a:spLocks noGrp="1"/>
-          </p:cNvSpPr>
-          <p:nvPr>
-            <p:ph type="sldNum" sz="quarter" idx="12"/>
-          </p:nvPr>
-        </p:nvSpPr>
-        <p:spPr>
-          <a:extLst>
-            <a:ext uri="{909E8E84-426E-40dd-AFC4-6F175D3DCCD1}">
-              <a14:hiddenFill xmlns:a14="http://schemas.microsoft.com/office/drawing/2010/main" xmlns="">
-                <a:solidFill>
-                  <a:schemeClr val="accent1"/>
-                </a:solidFill>
-              </a14:hiddenFill>
-            </a:ext>
-            <a:ext uri="{91240B29-F687-4f45-9708-019B960494DF}">
-              <a14:hiddenLine xmlns:a14="http://schemas.microsoft.com/office/drawing/2010/main" xmlns="" w="9525">
-                <a:solidFill>
-                  <a:schemeClr val="tx1"/>
-                </a:solidFill>
-                <a:miter lim="800000"/>
-                <a:headEnd/>
-                <a:tailEnd/>
-              </a14:hiddenLine>
-            </a:ext>
-            <a:ext uri="{AF507438-7753-43e0-B8FC-AC1667EBCBE1}">
-              <a14:hiddenEffects xmlns:a14="http://schemas.microsoft.com/office/drawing/2010/main" xmlns="">
-                <a:effectLst>
-                  <a:outerShdw blurRad="63500" dist="38099" dir="2700000" algn="ctr" rotWithShape="0">
-                    <a:schemeClr val="bg2">
-                      <a:alpha val="74998"/>
-                    </a:schemeClr>
-                  </a:outerShdw>
-                </a:effectLst>
-              </a14:hiddenEffects>
-            </a:ext>
-            <a:ext uri="{FAA26D3D-D897-4be2-8F04-BA451C77F1D7}">
-              <ma14:placeholderFlag xmlns:ma14="http://schemas.microsoft.com/office/mac/drawingml/2011/main" xmlns="" val="1"/>
-            </a:ext>
-          </a:extLst>
-        </p:spPr>
-        <p:txBody>
-          <a:bodyPr/>
-          <a:lstStyle>
-            <a:lvl1pPr eaLnBrk="0" hangingPunct="0">
-              <a:defRPr sz="2400">
-                <a:solidFill>
-                  <a:schemeClr val="tx1"/>
-                </a:solidFill>
-                <a:latin typeface="Arial" panose="020B0604020202020204" pitchFamily="34" charset="0"/>
-                <a:ea typeface="宋体" panose="02010600030101010101" pitchFamily="2" charset="-122"/>
-              </a:defRPr>
-            </a:lvl1pPr>
-            <a:lvl2pPr marL="742950" indent="-285750" eaLnBrk="0" hangingPunct="0">
-              <a:defRPr sz="2400">
-                <a:solidFill>
-                  <a:schemeClr val="tx1"/>
-                </a:solidFill>
-                <a:latin typeface="Arial" panose="020B0604020202020204" pitchFamily="34" charset="0"/>
-                <a:ea typeface="宋体" panose="02010600030101010101" pitchFamily="2" charset="-122"/>
-              </a:defRPr>
-            </a:lvl2pPr>
-            <a:lvl3pPr marL="1143000" indent="-228600" eaLnBrk="0" hangingPunct="0">
-              <a:defRPr sz="2400">
-                <a:solidFill>
-                  <a:schemeClr val="tx1"/>
-                </a:solidFill>
-                <a:latin typeface="Arial" panose="020B0604020202020204" pitchFamily="34" charset="0"/>
-                <a:ea typeface="宋体" panose="02010600030101010101" pitchFamily="2" charset="-122"/>
-              </a:defRPr>
-            </a:lvl3pPr>
-            <a:lvl4pPr marL="1600200" indent="-228600" eaLnBrk="0" hangingPunct="0">
-              <a:defRPr sz="2400">
-                <a:solidFill>
-                  <a:schemeClr val="tx1"/>
-                </a:solidFill>
-                <a:latin typeface="Arial" panose="020B0604020202020204" pitchFamily="34" charset="0"/>
-                <a:ea typeface="宋体" panose="02010600030101010101" pitchFamily="2" charset="-122"/>
-              </a:defRPr>
-            </a:lvl4pPr>
-            <a:lvl5pPr marL="2057400" indent="-228600" eaLnBrk="0" hangingPunct="0">
-              <a:defRPr sz="2400">
-                <a:solidFill>
-                  <a:schemeClr val="tx1"/>
-                </a:solidFill>
-                <a:latin typeface="Arial" panose="020B0604020202020204" pitchFamily="34" charset="0"/>
-                <a:ea typeface="宋体" panose="02010600030101010101" pitchFamily="2" charset="-122"/>
-              </a:defRPr>
-            </a:lvl5pPr>
-            <a:lvl6pPr marL="2514600" indent="-228600" eaLnBrk="0" fontAlgn="base" hangingPunct="0">
-              <a:spcBef>
-                <a:spcPct val="0"/>
-              </a:spcBef>
-              <a:spcAft>
-                <a:spcPct val="0"/>
-              </a:spcAft>
-              <a:defRPr sz="2400">
-                <a:solidFill>
-                  <a:schemeClr val="tx1"/>
-                </a:solidFill>
-                <a:latin typeface="Arial" panose="020B0604020202020204" pitchFamily="34" charset="0"/>
-                <a:ea typeface="宋体" panose="02010600030101010101" pitchFamily="2" charset="-122"/>
-              </a:defRPr>
-            </a:lvl6pPr>
-            <a:lvl7pPr marL="2971800" indent="-228600" eaLnBrk="0" fontAlgn="base" hangingPunct="0">
-              <a:spcBef>
-                <a:spcPct val="0"/>
-              </a:spcBef>
-              <a:spcAft>
-                <a:spcPct val="0"/>
-              </a:spcAft>
-              <a:defRPr sz="2400">
-                <a:solidFill>
-                  <a:schemeClr val="tx1"/>
-                </a:solidFill>
-                <a:latin typeface="Arial" panose="020B0604020202020204" pitchFamily="34" charset="0"/>
-                <a:ea typeface="宋体" panose="02010600030101010101" pitchFamily="2" charset="-122"/>
-              </a:defRPr>
-            </a:lvl7pPr>
-            <a:lvl8pPr marL="3429000" indent="-228600" eaLnBrk="0" fontAlgn="base" hangingPunct="0">
-              <a:spcBef>
-                <a:spcPct val="0"/>
-              </a:spcBef>
-              <a:spcAft>
-                <a:spcPct val="0"/>
-              </a:spcAft>
-              <a:defRPr sz="2400">
-                <a:solidFill>
-                  <a:schemeClr val="tx1"/>
-                </a:solidFill>
-                <a:latin typeface="Arial" panose="020B0604020202020204" pitchFamily="34" charset="0"/>
-                <a:ea typeface="宋体" panose="02010600030101010101" pitchFamily="2" charset="-122"/>
-              </a:defRPr>
-            </a:lvl8pPr>
-            <a:lvl9pPr marL="3886200" indent="-228600" eaLnBrk="0" fontAlgn="base" hangingPunct="0">
-              <a:spcBef>
-                <a:spcPct val="0"/>
-              </a:spcBef>
-              <a:spcAft>
-                <a:spcPct val="0"/>
-              </a:spcAft>
-              <a:defRPr sz="2400">
-                <a:solidFill>
-                  <a:schemeClr val="tx1"/>
-                </a:solidFill>
-                <a:latin typeface="Arial" panose="020B0604020202020204" pitchFamily="34" charset="0"/>
-                <a:ea typeface="宋体" panose="02010600030101010101" pitchFamily="2" charset="-122"/>
-              </a:defRPr>
-            </a:lvl9pPr>
-          </a:lstStyle>
-          <a:p>
-            <a:pPr eaLnBrk="1" hangingPunct="1"/>
-            <a:fld id="{441B4756-3C0F-7345-8F38-094A9FE1E76D}" type="slidenum">
-              <a:rPr lang="en-US" altLang="en-US" sz="1400"/>
-              <a:pPr eaLnBrk="1" hangingPunct="1"/>
-              <a:t>6</a:t>
-            </a:fld>
-            <a:endParaRPr lang="en-US" altLang="en-US" sz="1400"/>
-          </a:p>
-        </p:txBody>
-      </p:sp>
-      <p:pic>
-        <p:nvPicPr>
-          <p:cNvPr id="43011" name="Picture 4">
-            <a:extLst>
-              <a:ext uri="{FF2B5EF4-FFF2-40B4-BE49-F238E27FC236}">
-                <a16:creationId xmlns:a16="http://schemas.microsoft.com/office/drawing/2014/main" id="{CBBEEEC4-8E39-FB49-BE4B-00CBDCC891F5}"/>
-              </a:ext>
-            </a:extLst>
-          </p:cNvPr>
-          <p:cNvPicPr>
-            <a:picLocks noChangeAspect="1"/>
-          </p:cNvPicPr>
-          <p:nvPr/>
-        </p:nvPicPr>
-        <p:blipFill>
-          <a:blip r:embed="rId2">
-            <a:extLst>
-              <a:ext uri="{28A0092B-C50C-407E-A947-70E740481C1C}">
-                <a14:useLocalDpi xmlns:a14="http://schemas.microsoft.com/office/drawing/2010/main" val="0"/>
-              </a:ext>
-            </a:extLst>
-          </a:blip>
-          <a:srcRect/>
-          <a:stretch>
-            <a:fillRect/>
-          </a:stretch>
-        </p:blipFill>
-        <p:spPr bwMode="auto">
-          <a:xfrm>
-            <a:off x="1847851" y="1412876"/>
-            <a:ext cx="8183563" cy="4824413"/>
-          </a:xfrm>
-          <a:prstGeom prst="rect">
-            <a:avLst/>
-          </a:prstGeom>
-          <a:noFill/>
-          <a:ln>
-            <a:noFill/>
-          </a:ln>
-          <a:extLst>
-            <a:ext uri="{909E8E84-426E-40DD-AFC4-6F175D3DCCD1}">
-              <a14:hiddenFill xmlns:a14="http://schemas.microsoft.com/office/drawing/2010/main">
-                <a:solidFill>
-                  <a:srgbClr val="FFFFFF"/>
-                </a:solidFill>
-              </a14:hiddenFill>
-            </a:ext>
-            <a:ext uri="{91240B29-F687-4F45-9708-019B960494DF}">
-              <a14:hiddenLine xmlns:a14="http://schemas.microsoft.com/office/drawing/2010/main" w="9525">
-                <a:solidFill>
-                  <a:srgbClr val="000000"/>
-                </a:solidFill>
-                <a:miter lim="800000"/>
-                <a:headEnd/>
-                <a:tailEnd/>
-              </a14:hiddenLine>
-            </a:ext>
-          </a:extLst>
-        </p:spPr>
-      </p:pic>
-    </p:spTree>
-  </p:cSld>
-  <p:clrMapOvr>
-    <a:masterClrMapping/>
-  </p:clrMapOvr>
-</p:sld>
-</file>
-
 <file path=ppt/slides/slide7.xml><?xml version="1.0" encoding="utf-8"?>
 <p:sld xmlns:a="http://schemas.openxmlformats.org/drawingml/2006/main" xmlns:r="http://schemas.openxmlformats.org/officeDocument/2006/relationships" xmlns:p="http://schemas.openxmlformats.org/presentationml/2006/main">
   <p:cSld>
@@ -8155,7 +8768,7 @@
           <p:cNvPr id="2" name="Title 1">
             <a:extLst>
               <a:ext uri="{FF2B5EF4-FFF2-40B4-BE49-F238E27FC236}">
-                <a16:creationId xmlns:a16="http://schemas.microsoft.com/office/drawing/2014/main" id="{2C8F01B7-4F9B-1A40-AA65-F182603A9C4D}"/>
+                <a16:creationId xmlns:a16="http://schemas.microsoft.com/office/drawing/2014/main" id="{A405EA24-A713-5541-B7F5-F383DAC37CA6}"/>
               </a:ext>
             </a:extLst>
           </p:cNvPr>
@@ -8176,17 +8789,17 @@
             </a:pPr>
             <a:r>
               <a:rPr lang="en-US" dirty="0"/>
-              <a:t>Learning Causal Structure</a:t>
-            </a:r>
-          </a:p>
-        </p:txBody>
-      </p:sp>
-      <p:sp>
-        <p:nvSpPr>
-          <p:cNvPr id="3" name="Slide Number Placeholder 2">
-            <a:extLst>
-              <a:ext uri="{FF2B5EF4-FFF2-40B4-BE49-F238E27FC236}">
-                <a16:creationId xmlns:a16="http://schemas.microsoft.com/office/drawing/2014/main" id="{16662FFD-FAAE-A043-B331-A6A099D62620}"/>
+              <a:t>Scenario Specification</a:t>
+            </a:r>
+          </a:p>
+        </p:txBody>
+      </p:sp>
+      <p:sp>
+        <p:nvSpPr>
+          <p:cNvPr id="4" name="Slide Number Placeholder 3">
+            <a:extLst>
+              <a:ext uri="{FF2B5EF4-FFF2-40B4-BE49-F238E27FC236}">
+                <a16:creationId xmlns:a16="http://schemas.microsoft.com/office/drawing/2014/main" id="{8E71EBDA-282F-E345-BBAF-5348D44600D0}"/>
               </a:ext>
             </a:extLst>
           </p:cNvPr>
@@ -8200,14 +8813,14 @@
         <p:spPr>
           <a:extLst>
             <a:ext uri="{909E8E84-426E-40dd-AFC4-6F175D3DCCD1}">
-              <a14:hiddenFill xmlns:a14="http://schemas.microsoft.com/office/drawing/2010/main" xmlns="">
+              <a14:hiddenFill xmlns="" xmlns:a14="http://schemas.microsoft.com/office/drawing/2010/main">
                 <a:solidFill>
                   <a:schemeClr val="accent1"/>
                 </a:solidFill>
               </a14:hiddenFill>
             </a:ext>
             <a:ext uri="{91240B29-F687-4f45-9708-019B960494DF}">
-              <a14:hiddenLine xmlns:a14="http://schemas.microsoft.com/office/drawing/2010/main" xmlns="" w="9525">
+              <a14:hiddenLine xmlns="" xmlns:a14="http://schemas.microsoft.com/office/drawing/2010/main" w="9525">
                 <a:solidFill>
                   <a:schemeClr val="tx1"/>
                 </a:solidFill>
@@ -8217,7 +8830,7 @@
               </a14:hiddenLine>
             </a:ext>
             <a:ext uri="{AF507438-7753-43e0-B8FC-AC1667EBCBE1}">
-              <a14:hiddenEffects xmlns:a14="http://schemas.microsoft.com/office/drawing/2010/main" xmlns="">
+              <a14:hiddenEffects xmlns="" xmlns:a14="http://schemas.microsoft.com/office/drawing/2010/main">
                 <a:effectLst>
                   <a:outerShdw blurRad="63500" dist="38099" dir="2700000" algn="ctr" rotWithShape="0">
                     <a:schemeClr val="bg2">
@@ -8228,7 +8841,7 @@
               </a14:hiddenEffects>
             </a:ext>
             <a:ext uri="{FAA26D3D-D897-4be2-8F04-BA451C77F1D7}">
-              <ma14:placeholderFlag xmlns:ma14="http://schemas.microsoft.com/office/mac/drawingml/2011/main" xmlns="" val="1"/>
+              <ma14:placeholderFlag xmlns="" xmlns:ma14="http://schemas.microsoft.com/office/mac/drawingml/2011/main" val="1"/>
             </a:ext>
           </a:extLst>
         </p:spPr>
@@ -8343,7 +8956,7 @@
           </a:lstStyle>
           <a:p>
             <a:pPr eaLnBrk="1" hangingPunct="1"/>
-            <a:fld id="{1A21AEA3-63A8-CE4E-B3B6-1AF6ADFF4041}" type="slidenum">
+            <a:fld id="{441B4756-3C0F-7345-8F38-094A9FE1E76D}" type="slidenum">
               <a:rPr lang="en-US" altLang="en-US" sz="1400"/>
               <a:pPr eaLnBrk="1" hangingPunct="1"/>
               <a:t>7</a:t>
@@ -8354,10 +8967,10 @@
       </p:sp>
       <p:pic>
         <p:nvPicPr>
-          <p:cNvPr id="44035" name="Picture 4">
-            <a:extLst>
-              <a:ext uri="{FF2B5EF4-FFF2-40B4-BE49-F238E27FC236}">
-                <a16:creationId xmlns:a16="http://schemas.microsoft.com/office/drawing/2014/main" id="{C15E2AE5-7957-3E40-94DB-502C8DF3B32F}"/>
+          <p:cNvPr id="43011" name="Picture 4">
+            <a:extLst>
+              <a:ext uri="{FF2B5EF4-FFF2-40B4-BE49-F238E27FC236}">
+                <a16:creationId xmlns:a16="http://schemas.microsoft.com/office/drawing/2014/main" id="{CBBEEEC4-8E39-FB49-BE4B-00CBDCC891F5}"/>
               </a:ext>
             </a:extLst>
           </p:cNvPr>
@@ -8381,8 +8994,8 @@
         </p:blipFill>
         <p:spPr bwMode="auto">
           <a:xfrm>
-            <a:off x="1919289" y="1341438"/>
-            <a:ext cx="7996237" cy="5359400"/>
+            <a:off x="1847851" y="1412876"/>
+            <a:ext cx="8183563" cy="4824413"/>
           </a:xfrm>
           <a:prstGeom prst="rect">
             <a:avLst/>
@@ -8442,7 +9055,7 @@
           <p:cNvPr id="2" name="Title 1">
             <a:extLst>
               <a:ext uri="{FF2B5EF4-FFF2-40B4-BE49-F238E27FC236}">
-                <a16:creationId xmlns:a16="http://schemas.microsoft.com/office/drawing/2014/main" id="{815627ED-226D-2142-813F-08771AF12B2E}"/>
+                <a16:creationId xmlns:a16="http://schemas.microsoft.com/office/drawing/2014/main" id="{2C8F01B7-4F9B-1A40-AA65-F182603A9C4D}"/>
               </a:ext>
             </a:extLst>
           </p:cNvPr>
@@ -8463,7 +9076,7 @@
             </a:pPr>
             <a:r>
               <a:rPr lang="en-US" dirty="0"/>
-              <a:t>Guiding Transformation</a:t>
+              <a:t>Learning Causal Structure</a:t>
             </a:r>
           </a:p>
         </p:txBody>
@@ -8473,7 +9086,7 @@
           <p:cNvPr id="3" name="Slide Number Placeholder 2">
             <a:extLst>
               <a:ext uri="{FF2B5EF4-FFF2-40B4-BE49-F238E27FC236}">
-                <a16:creationId xmlns:a16="http://schemas.microsoft.com/office/drawing/2014/main" id="{5707D362-2347-E34E-9A01-8125B4AED0F7}"/>
+                <a16:creationId xmlns:a16="http://schemas.microsoft.com/office/drawing/2014/main" id="{16662FFD-FAAE-A043-B331-A6A099D62620}"/>
               </a:ext>
             </a:extLst>
           </p:cNvPr>
@@ -8487,14 +9100,14 @@
         <p:spPr>
           <a:extLst>
             <a:ext uri="{909E8E84-426E-40dd-AFC4-6F175D3DCCD1}">
-              <a14:hiddenFill xmlns:a14="http://schemas.microsoft.com/office/drawing/2010/main" xmlns="">
+              <a14:hiddenFill xmlns="" xmlns:a14="http://schemas.microsoft.com/office/drawing/2010/main">
                 <a:solidFill>
                   <a:schemeClr val="accent1"/>
                 </a:solidFill>
               </a14:hiddenFill>
             </a:ext>
             <a:ext uri="{91240B29-F687-4f45-9708-019B960494DF}">
-              <a14:hiddenLine xmlns:a14="http://schemas.microsoft.com/office/drawing/2010/main" xmlns="" w="9525">
+              <a14:hiddenLine xmlns="" xmlns:a14="http://schemas.microsoft.com/office/drawing/2010/main" w="9525">
                 <a:solidFill>
                   <a:schemeClr val="tx1"/>
                 </a:solidFill>
@@ -8504,7 +9117,7 @@
               </a14:hiddenLine>
             </a:ext>
             <a:ext uri="{AF507438-7753-43e0-B8FC-AC1667EBCBE1}">
-              <a14:hiddenEffects xmlns:a14="http://schemas.microsoft.com/office/drawing/2010/main" xmlns="">
+              <a14:hiddenEffects xmlns="" xmlns:a14="http://schemas.microsoft.com/office/drawing/2010/main">
                 <a:effectLst>
                   <a:outerShdw blurRad="63500" dist="38099" dir="2700000" algn="ctr" rotWithShape="0">
                     <a:schemeClr val="bg2">
@@ -8515,7 +9128,7 @@
               </a14:hiddenEffects>
             </a:ext>
             <a:ext uri="{FAA26D3D-D897-4be2-8F04-BA451C77F1D7}">
-              <ma14:placeholderFlag xmlns:ma14="http://schemas.microsoft.com/office/mac/drawingml/2011/main" xmlns="" val="1"/>
+              <ma14:placeholderFlag xmlns="" xmlns:ma14="http://schemas.microsoft.com/office/mac/drawingml/2011/main" val="1"/>
             </a:ext>
           </a:extLst>
         </p:spPr>
@@ -8630,7 +9243,7 @@
           </a:lstStyle>
           <a:p>
             <a:pPr eaLnBrk="1" hangingPunct="1"/>
-            <a:fld id="{1060C897-D4D7-5546-BE8E-DDB09B36367C}" type="slidenum">
+            <a:fld id="{1A21AEA3-63A8-CE4E-B3B6-1AF6ADFF4041}" type="slidenum">
               <a:rPr lang="en-US" altLang="en-US" sz="1400"/>
               <a:pPr eaLnBrk="1" hangingPunct="1"/>
               <a:t>8</a:t>
@@ -8641,10 +9254,10 @@
       </p:sp>
       <p:pic>
         <p:nvPicPr>
-          <p:cNvPr id="45059" name="Picture 3">
-            <a:extLst>
-              <a:ext uri="{FF2B5EF4-FFF2-40B4-BE49-F238E27FC236}">
-                <a16:creationId xmlns:a16="http://schemas.microsoft.com/office/drawing/2014/main" id="{6924AB1A-8BCF-E845-827F-C6C72D19913F}"/>
+          <p:cNvPr id="44035" name="Picture 4">
+            <a:extLst>
+              <a:ext uri="{FF2B5EF4-FFF2-40B4-BE49-F238E27FC236}">
+                <a16:creationId xmlns:a16="http://schemas.microsoft.com/office/drawing/2014/main" id="{C15E2AE5-7957-3E40-94DB-502C8DF3B32F}"/>
               </a:ext>
             </a:extLst>
           </p:cNvPr>
@@ -8668,8 +9281,8 @@
         </p:blipFill>
         <p:spPr bwMode="auto">
           <a:xfrm>
-            <a:off x="2063750" y="1484313"/>
-            <a:ext cx="8172450" cy="4767262"/>
+            <a:off x="1919289" y="1341438"/>
+            <a:ext cx="7996237" cy="5359400"/>
           </a:xfrm>
           <a:prstGeom prst="rect">
             <a:avLst/>
@@ -8729,7 +9342,7 @@
           <p:cNvPr id="2" name="Title 1">
             <a:extLst>
               <a:ext uri="{FF2B5EF4-FFF2-40B4-BE49-F238E27FC236}">
-                <a16:creationId xmlns:a16="http://schemas.microsoft.com/office/drawing/2014/main" id="{DA83775A-69D2-9742-B06C-E2BF29AFD89B}"/>
+                <a16:creationId xmlns:a16="http://schemas.microsoft.com/office/drawing/2014/main" id="{815627ED-226D-2142-813F-08771AF12B2E}"/>
               </a:ext>
             </a:extLst>
           </p:cNvPr>
@@ -8750,17 +9363,17 @@
             </a:pPr>
             <a:r>
               <a:rPr lang="en-US" dirty="0"/>
-              <a:t>Google Web Service</a:t>
-            </a:r>
-          </a:p>
-        </p:txBody>
-      </p:sp>
-      <p:sp>
-        <p:nvSpPr>
-          <p:cNvPr id="4" name="Slide Number Placeholder 3">
-            <a:extLst>
-              <a:ext uri="{FF2B5EF4-FFF2-40B4-BE49-F238E27FC236}">
-                <a16:creationId xmlns:a16="http://schemas.microsoft.com/office/drawing/2014/main" id="{B813A556-22E1-B140-8431-C8FD503FD371}"/>
+              <a:t>Guiding Transformation</a:t>
+            </a:r>
+          </a:p>
+        </p:txBody>
+      </p:sp>
+      <p:sp>
+        <p:nvSpPr>
+          <p:cNvPr id="3" name="Slide Number Placeholder 2">
+            <a:extLst>
+              <a:ext uri="{FF2B5EF4-FFF2-40B4-BE49-F238E27FC236}">
+                <a16:creationId xmlns:a16="http://schemas.microsoft.com/office/drawing/2014/main" id="{5707D362-2347-E34E-9A01-8125B4AED0F7}"/>
               </a:ext>
             </a:extLst>
           </p:cNvPr>
@@ -8774,14 +9387,14 @@
         <p:spPr>
           <a:extLst>
             <a:ext uri="{909E8E84-426E-40dd-AFC4-6F175D3DCCD1}">
-              <a14:hiddenFill xmlns:a14="http://schemas.microsoft.com/office/drawing/2010/main" xmlns="">
+              <a14:hiddenFill xmlns="" xmlns:a14="http://schemas.microsoft.com/office/drawing/2010/main">
                 <a:solidFill>
                   <a:schemeClr val="accent1"/>
                 </a:solidFill>
               </a14:hiddenFill>
             </a:ext>
             <a:ext uri="{91240B29-F687-4f45-9708-019B960494DF}">
-              <a14:hiddenLine xmlns:a14="http://schemas.microsoft.com/office/drawing/2010/main" xmlns="" w="9525">
+              <a14:hiddenLine xmlns="" xmlns:a14="http://schemas.microsoft.com/office/drawing/2010/main" w="9525">
                 <a:solidFill>
                   <a:schemeClr val="tx1"/>
                 </a:solidFill>
@@ -8791,7 +9404,7 @@
               </a14:hiddenLine>
             </a:ext>
             <a:ext uri="{AF507438-7753-43e0-B8FC-AC1667EBCBE1}">
-              <a14:hiddenEffects xmlns:a14="http://schemas.microsoft.com/office/drawing/2010/main" xmlns="">
+              <a14:hiddenEffects xmlns="" xmlns:a14="http://schemas.microsoft.com/office/drawing/2010/main">
                 <a:effectLst>
                   <a:outerShdw blurRad="63500" dist="38099" dir="2700000" algn="ctr" rotWithShape="0">
                     <a:schemeClr val="bg2">
@@ -8802,7 +9415,7 @@
               </a14:hiddenEffects>
             </a:ext>
             <a:ext uri="{FAA26D3D-D897-4be2-8F04-BA451C77F1D7}">
-              <ma14:placeholderFlag xmlns:ma14="http://schemas.microsoft.com/office/mac/drawingml/2011/main" xmlns="" val="1"/>
+              <ma14:placeholderFlag xmlns="" xmlns:ma14="http://schemas.microsoft.com/office/mac/drawingml/2011/main" val="1"/>
             </a:ext>
           </a:extLst>
         </p:spPr>
@@ -8917,7 +9530,7 @@
           </a:lstStyle>
           <a:p>
             <a:pPr eaLnBrk="1" hangingPunct="1"/>
-            <a:fld id="{107BECBE-1E97-7E48-81E9-C5AD5CC784A4}" type="slidenum">
+            <a:fld id="{1060C897-D4D7-5546-BE8E-DDB09B36367C}" type="slidenum">
               <a:rPr lang="en-US" altLang="en-US" sz="1400"/>
               <a:pPr eaLnBrk="1" hangingPunct="1"/>
               <a:t>9</a:t>
@@ -8928,10 +9541,10 @@
       </p:sp>
       <p:pic>
         <p:nvPicPr>
-          <p:cNvPr id="46083" name="Picture 5">
-            <a:extLst>
-              <a:ext uri="{FF2B5EF4-FFF2-40B4-BE49-F238E27FC236}">
-                <a16:creationId xmlns:a16="http://schemas.microsoft.com/office/drawing/2014/main" id="{8594947F-6A88-3945-BACB-768FBDB5BD5F}"/>
+          <p:cNvPr id="45059" name="Picture 3">
+            <a:extLst>
+              <a:ext uri="{FF2B5EF4-FFF2-40B4-BE49-F238E27FC236}">
+                <a16:creationId xmlns:a16="http://schemas.microsoft.com/office/drawing/2014/main" id="{6924AB1A-8BCF-E845-827F-C6C72D19913F}"/>
               </a:ext>
             </a:extLst>
           </p:cNvPr>
@@ -8955,8 +9568,8 @@
         </p:blipFill>
         <p:spPr bwMode="auto">
           <a:xfrm>
-            <a:off x="1544638" y="1201738"/>
-            <a:ext cx="9144000" cy="5611812"/>
+            <a:off x="2063750" y="1484313"/>
+            <a:ext cx="8172450" cy="4767262"/>
           </a:xfrm>
           <a:prstGeom prst="rect">
             <a:avLst/>
